--- a/LAN_クロス_ストレート.pptx
+++ b/LAN_クロス_ストレート.pptx
@@ -5,7 +5,7 @@
     <p:sldMasterId id="2147483648" r:id="rId1"/>
   </p:sldMasterIdLst>
   <p:notesMasterIdLst>
-    <p:notesMasterId r:id="rId11"/>
+    <p:notesMasterId r:id="rId10"/>
   </p:notesMasterIdLst>
   <p:sldIdLst>
     <p:sldId id="263" r:id="rId2"/>
@@ -13,10 +13,9 @@
     <p:sldId id="257" r:id="rId4"/>
     <p:sldId id="258" r:id="rId5"/>
     <p:sldId id="259" r:id="rId6"/>
-    <p:sldId id="262" r:id="rId7"/>
-    <p:sldId id="268" r:id="rId8"/>
-    <p:sldId id="264" r:id="rId9"/>
-    <p:sldId id="265" r:id="rId10"/>
+    <p:sldId id="268" r:id="rId7"/>
+    <p:sldId id="264" r:id="rId8"/>
+    <p:sldId id="265" r:id="rId9"/>
   </p:sldIdLst>
   <p:sldSz cx="12192000" cy="6858000"/>
   <p:notesSz cx="6858000" cy="9144000"/>
@@ -205,7 +204,7 @@
           <a:p>
             <a:fld id="{F3F17EAC-4066-4736-A161-AAEC224BED11}" type="datetimeFigureOut">
               <a:rPr kumimoji="1" lang="ja-JP" altLang="en-US" smtClean="0"/>
-              <a:t>2024/10/25</a:t>
+              <a:t>2024/10/26</a:t>
             </a:fld>
             <a:endParaRPr kumimoji="1" lang="ja-JP" altLang="en-US"/>
           </a:p>
@@ -569,7 +568,7 @@
           <a:p>
             <a:fld id="{C16F3310-22CA-492E-9943-CDED348D3B6F}" type="slidenum">
               <a:rPr kumimoji="1" lang="ja-JP" altLang="en-US" smtClean="0"/>
-              <a:t>2</a:t>
+              <a:t>1</a:t>
             </a:fld>
             <a:endParaRPr kumimoji="1" lang="ja-JP" altLang="en-US"/>
           </a:p>
@@ -578,7 +577,7 @@
     </p:spTree>
     <p:extLst>
       <p:ext uri="{BB962C8B-B14F-4D97-AF65-F5344CB8AC3E}">
-        <p14:creationId xmlns:p14="http://schemas.microsoft.com/office/powerpoint/2010/main" val="3990562850"/>
+        <p14:creationId xmlns:p14="http://schemas.microsoft.com/office/powerpoint/2010/main" val="3799094115"/>
       </p:ext>
     </p:extLst>
   </p:cSld>
@@ -632,6 +631,182 @@
           <a:bodyPr/>
           <a:lstStyle/>
           <a:p>
+            <a:r>
+              <a:rPr kumimoji="1" lang="ja-JP" altLang="en-US" dirty="0"/>
+              <a:t>ケーブルの種類として２種類あります。</a:t>
+            </a:r>
+            <a:br>
+              <a:rPr kumimoji="1" lang="en-US" altLang="ja-JP" dirty="0"/>
+            </a:br>
+            <a:r>
+              <a:rPr kumimoji="1" lang="ja-JP" altLang="en-US" dirty="0"/>
+              <a:t>一つ目はクロスケーブルで、一般的に同じ</a:t>
+            </a:r>
+            <a:r>
+              <a:rPr lang="ja-JP" altLang="en-US" sz="1200" b="0" i="0" dirty="0">
+                <a:solidFill>
+                  <a:srgbClr val="000000"/>
+                </a:solidFill>
+                <a:effectLst/>
+                <a:latin typeface="メイリオ" panose="020B0604030504040204" pitchFamily="50" charset="-128"/>
+                <a:ea typeface="メイリオ" panose="020B0604030504040204" pitchFamily="50" charset="-128"/>
+              </a:rPr>
+              <a:t>ポート</a:t>
+            </a:r>
+            <a:r>
+              <a:rPr lang="en-US" altLang="ja-JP" sz="1200" b="0" i="0" dirty="0">
+                <a:solidFill>
+                  <a:srgbClr val="000000"/>
+                </a:solidFill>
+                <a:effectLst/>
+                <a:latin typeface="メイリオ" panose="020B0604030504040204" pitchFamily="50" charset="-128"/>
+                <a:ea typeface="メイリオ" panose="020B0604030504040204" pitchFamily="50" charset="-128"/>
+              </a:rPr>
+              <a:t>(</a:t>
+            </a:r>
+            <a:r>
+              <a:rPr lang="ja-JP" altLang="en-US" sz="1200" b="0" i="0" dirty="0">
+                <a:solidFill>
+                  <a:srgbClr val="000000"/>
+                </a:solidFill>
+                <a:effectLst/>
+                <a:latin typeface="メイリオ" panose="020B0604030504040204" pitchFamily="50" charset="-128"/>
+                <a:ea typeface="メイリオ" panose="020B0604030504040204" pitchFamily="50" charset="-128"/>
+              </a:rPr>
+              <a:t>差し込み口</a:t>
+            </a:r>
+            <a:r>
+              <a:rPr lang="en-US" altLang="ja-JP" sz="1200" b="0" i="0" dirty="0">
+                <a:solidFill>
+                  <a:srgbClr val="000000"/>
+                </a:solidFill>
+                <a:effectLst/>
+                <a:latin typeface="メイリオ" panose="020B0604030504040204" pitchFamily="50" charset="-128"/>
+                <a:ea typeface="メイリオ" panose="020B0604030504040204" pitchFamily="50" charset="-128"/>
+              </a:rPr>
+              <a:t>)</a:t>
+            </a:r>
+            <a:r>
+              <a:rPr kumimoji="1" lang="ja-JP" altLang="en-US" dirty="0"/>
+              <a:t>同士を接続するときにつかう。</a:t>
+            </a:r>
+            <a:br>
+              <a:rPr kumimoji="1" lang="en-US" altLang="ja-JP" dirty="0"/>
+            </a:br>
+            <a:br>
+              <a:rPr kumimoji="1" lang="en-US" altLang="ja-JP" dirty="0"/>
+            </a:br>
+            <a:r>
+              <a:rPr kumimoji="1" lang="ja-JP" altLang="en-US" dirty="0"/>
+              <a:t>ストレートケーブルは一般的に違う</a:t>
+            </a:r>
+            <a:r>
+              <a:rPr lang="ja-JP" altLang="en-US" sz="1200" b="0" i="0" dirty="0">
+                <a:solidFill>
+                  <a:srgbClr val="000000"/>
+                </a:solidFill>
+                <a:effectLst/>
+                <a:latin typeface="メイリオ" panose="020B0604030504040204" pitchFamily="50" charset="-128"/>
+                <a:ea typeface="メイリオ" panose="020B0604030504040204" pitchFamily="50" charset="-128"/>
+              </a:rPr>
+              <a:t>ポート</a:t>
+            </a:r>
+            <a:r>
+              <a:rPr lang="en-US" altLang="ja-JP" sz="1200" b="0" i="0" dirty="0">
+                <a:solidFill>
+                  <a:srgbClr val="000000"/>
+                </a:solidFill>
+                <a:effectLst/>
+                <a:latin typeface="メイリオ" panose="020B0604030504040204" pitchFamily="50" charset="-128"/>
+                <a:ea typeface="メイリオ" panose="020B0604030504040204" pitchFamily="50" charset="-128"/>
+              </a:rPr>
+              <a:t>(</a:t>
+            </a:r>
+            <a:r>
+              <a:rPr lang="ja-JP" altLang="en-US" sz="1200" b="0" i="0" dirty="0">
+                <a:solidFill>
+                  <a:srgbClr val="000000"/>
+                </a:solidFill>
+                <a:effectLst/>
+                <a:latin typeface="メイリオ" panose="020B0604030504040204" pitchFamily="50" charset="-128"/>
+                <a:ea typeface="メイリオ" panose="020B0604030504040204" pitchFamily="50" charset="-128"/>
+              </a:rPr>
+              <a:t>差し込み口</a:t>
+            </a:r>
+            <a:r>
+              <a:rPr lang="en-US" altLang="ja-JP" sz="1200" b="0" i="0" dirty="0">
+                <a:solidFill>
+                  <a:srgbClr val="000000"/>
+                </a:solidFill>
+                <a:effectLst/>
+                <a:latin typeface="メイリオ" panose="020B0604030504040204" pitchFamily="50" charset="-128"/>
+                <a:ea typeface="メイリオ" panose="020B0604030504040204" pitchFamily="50" charset="-128"/>
+              </a:rPr>
+              <a:t>)</a:t>
+            </a:r>
+            <a:r>
+              <a:rPr kumimoji="1" lang="ja-JP" altLang="en-US" dirty="0"/>
+              <a:t>同士を接続するときに使う。</a:t>
+            </a:r>
+            <a:br>
+              <a:rPr kumimoji="1" lang="en-US" altLang="ja-JP" dirty="0"/>
+            </a:br>
+            <a:br>
+              <a:rPr kumimoji="1" lang="en-US" altLang="ja-JP" dirty="0"/>
+            </a:br>
+            <a:r>
+              <a:rPr kumimoji="1" lang="ja-JP" altLang="en-US" dirty="0"/>
+              <a:t>主に。。。。。。。。　　パワポ読む</a:t>
+            </a:r>
+            <a:endParaRPr kumimoji="1" lang="en-US" altLang="ja-JP" dirty="0"/>
+          </a:p>
+          <a:p>
+            <a:pPr marL="0" marR="0" lvl="0" indent="0" algn="l" defTabSz="914400" rtl="0" eaLnBrk="1" fontAlgn="auto" latinLnBrk="0" hangingPunct="1">
+              <a:lnSpc>
+                <a:spcPct val="100000"/>
+              </a:lnSpc>
+              <a:spcBef>
+                <a:spcPts val="0"/>
+              </a:spcBef>
+              <a:spcAft>
+                <a:spcPts val="0"/>
+              </a:spcAft>
+              <a:buClrTx/>
+              <a:buSzTx/>
+              <a:buFontTx/>
+              <a:buNone/>
+              <a:tabLst/>
+              <a:defRPr/>
+            </a:pPr>
+            <a:r>
+              <a:rPr lang="ja-JP" altLang="en-US" dirty="0">
+                <a:effectLst/>
+              </a:rPr>
+              <a:t>主にインターネットをするときに使う</a:t>
+            </a:r>
+            <a:r>
+              <a:rPr lang="en-US" altLang="ja-JP" dirty="0">
+                <a:effectLst/>
+              </a:rPr>
+              <a:t>LAN</a:t>
+            </a:r>
+            <a:r>
+              <a:rPr lang="ja-JP" altLang="en-US" dirty="0">
+                <a:effectLst/>
+              </a:rPr>
+              <a:t>ケーブルです。</a:t>
+            </a:r>
+          </a:p>
+          <a:p>
+            <a:br>
+              <a:rPr kumimoji="1" lang="en-US" altLang="ja-JP" dirty="0"/>
+            </a:br>
+            <a:br>
+              <a:rPr kumimoji="1" lang="en-US" altLang="ja-JP" dirty="0"/>
+            </a:br>
+            <a:br>
+              <a:rPr kumimoji="1" lang="en-US" altLang="ja-JP" dirty="0"/>
+            </a:br>
             <a:endParaRPr kumimoji="1" lang="ja-JP" altLang="en-US" dirty="0"/>
           </a:p>
         </p:txBody>
@@ -653,7 +828,7 @@
           <a:p>
             <a:fld id="{C16F3310-22CA-492E-9943-CDED348D3B6F}" type="slidenum">
               <a:rPr kumimoji="1" lang="ja-JP" altLang="en-US" smtClean="0"/>
-              <a:t>3</a:t>
+              <a:t>2</a:t>
             </a:fld>
             <a:endParaRPr kumimoji="1" lang="ja-JP" altLang="en-US"/>
           </a:p>
@@ -662,7 +837,7 @@
     </p:spTree>
     <p:extLst>
       <p:ext uri="{BB962C8B-B14F-4D97-AF65-F5344CB8AC3E}">
-        <p14:creationId xmlns:p14="http://schemas.microsoft.com/office/powerpoint/2010/main" val="3159518508"/>
+        <p14:creationId xmlns:p14="http://schemas.microsoft.com/office/powerpoint/2010/main" val="3990562850"/>
       </p:ext>
     </p:extLst>
   </p:cSld>
@@ -716,7 +891,140 @@
           <a:bodyPr/>
           <a:lstStyle/>
           <a:p>
-            <a:endParaRPr kumimoji="1" lang="ja-JP" altLang="en-US" dirty="0"/>
+            <a:br>
+              <a:rPr kumimoji="1" lang="en-US" altLang="ja-JP" dirty="0"/>
+            </a:br>
+            <a:r>
+              <a:rPr kumimoji="1" lang="ja-JP" altLang="en-US" dirty="0"/>
+              <a:t>詳細としましては、</a:t>
+            </a:r>
+            <a:r>
+              <a:rPr lang="en-US" altLang="ja-JP" sz="1200" b="0" i="0" dirty="0">
+                <a:solidFill>
+                  <a:srgbClr val="000000"/>
+                </a:solidFill>
+                <a:effectLst/>
+                <a:latin typeface="メイリオ" panose="020B0604030504040204" pitchFamily="50" charset="-128"/>
+                <a:ea typeface="メイリオ" panose="020B0604030504040204" pitchFamily="50" charset="-128"/>
+              </a:rPr>
+              <a:t>Ethernet</a:t>
+            </a:r>
+            <a:r>
+              <a:rPr lang="ja-JP" altLang="en-US" sz="1200" b="0" i="0" dirty="0">
+                <a:solidFill>
+                  <a:srgbClr val="000000"/>
+                </a:solidFill>
+                <a:effectLst/>
+                <a:latin typeface="メイリオ" panose="020B0604030504040204" pitchFamily="50" charset="-128"/>
+                <a:ea typeface="メイリオ" panose="020B0604030504040204" pitchFamily="50" charset="-128"/>
+              </a:rPr>
+              <a:t>機器のポート</a:t>
+            </a:r>
+            <a:r>
+              <a:rPr lang="en-US" altLang="ja-JP" sz="1200" b="0" i="0" dirty="0">
+                <a:solidFill>
+                  <a:srgbClr val="000000"/>
+                </a:solidFill>
+                <a:effectLst/>
+                <a:latin typeface="メイリオ" panose="020B0604030504040204" pitchFamily="50" charset="-128"/>
+                <a:ea typeface="メイリオ" panose="020B0604030504040204" pitchFamily="50" charset="-128"/>
+              </a:rPr>
+              <a:t>2</a:t>
+            </a:r>
+            <a:r>
+              <a:rPr lang="ja-JP" altLang="en-US" sz="1200" b="0" i="0" dirty="0">
+                <a:solidFill>
+                  <a:srgbClr val="000000"/>
+                </a:solidFill>
+                <a:effectLst/>
+                <a:latin typeface="メイリオ" panose="020B0604030504040204" pitchFamily="50" charset="-128"/>
+                <a:ea typeface="メイリオ" panose="020B0604030504040204" pitchFamily="50" charset="-128"/>
+              </a:rPr>
+              <a:t>つ。。。。</a:t>
+            </a:r>
+            <a:endParaRPr lang="en-US" altLang="ja-JP" sz="1200" b="0" i="0" dirty="0">
+              <a:solidFill>
+                <a:srgbClr val="000000"/>
+              </a:solidFill>
+              <a:effectLst/>
+              <a:latin typeface="メイリオ" panose="020B0604030504040204" pitchFamily="50" charset="-128"/>
+              <a:ea typeface="メイリオ" panose="020B0604030504040204" pitchFamily="50" charset="-128"/>
+            </a:endParaRPr>
+          </a:p>
+          <a:p>
+            <a:endParaRPr kumimoji="1" lang="en-US" altLang="ja-JP" sz="1200" b="0" i="0" dirty="0">
+              <a:solidFill>
+                <a:srgbClr val="000000"/>
+              </a:solidFill>
+              <a:effectLst/>
+              <a:latin typeface="メイリオ" panose="020B0604030504040204" pitchFamily="50" charset="-128"/>
+              <a:ea typeface="メイリオ" panose="020B0604030504040204" pitchFamily="50" charset="-128"/>
+            </a:endParaRPr>
+          </a:p>
+          <a:p>
+            <a:r>
+              <a:rPr lang="ja-JP" altLang="en-US" sz="1200" b="0" i="0" dirty="0">
+                <a:solidFill>
+                  <a:srgbClr val="000000"/>
+                </a:solidFill>
+                <a:effectLst/>
+                <a:latin typeface="メイリオ" panose="020B0604030504040204" pitchFamily="50" charset="-128"/>
+                <a:ea typeface="メイリオ" panose="020B0604030504040204" pitchFamily="50" charset="-128"/>
+              </a:rPr>
+              <a:t>送信用ピンを説明し始めるタイミングで読む。</a:t>
+            </a:r>
+            <a:br>
+              <a:rPr lang="en-US" altLang="ja-JP" sz="1200" b="0" i="0" dirty="0">
+                <a:solidFill>
+                  <a:srgbClr val="000000"/>
+                </a:solidFill>
+                <a:effectLst/>
+                <a:latin typeface="メイリオ" panose="020B0604030504040204" pitchFamily="50" charset="-128"/>
+                <a:ea typeface="メイリオ" panose="020B0604030504040204" pitchFamily="50" charset="-128"/>
+              </a:rPr>
+            </a:br>
+            <a:r>
+              <a:rPr lang="ja-JP" altLang="en-US" sz="1400" b="0" i="0" dirty="0">
+                <a:solidFill>
+                  <a:srgbClr val="000000"/>
+                </a:solidFill>
+                <a:effectLst/>
+                <a:latin typeface="メイリオ" panose="020B0604030504040204" pitchFamily="50" charset="-128"/>
+                <a:ea typeface="メイリオ" panose="020B0604030504040204" pitchFamily="50" charset="-128"/>
+              </a:rPr>
+              <a:t>ポートの中には送信用ピンと受信用ピンがあります。ピンとは、</a:t>
+            </a:r>
+            <a:r>
+              <a:rPr kumimoji="1" lang="ja-JP" altLang="en-US" sz="1400" dirty="0"/>
+              <a:t>金属端子</a:t>
+            </a:r>
+            <a:r>
+              <a:rPr kumimoji="1" lang="en-US" altLang="ja-JP" sz="1400" dirty="0"/>
+              <a:t>(</a:t>
+            </a:r>
+            <a:r>
+              <a:rPr kumimoji="1" lang="ja-JP" altLang="en-US" sz="1400" dirty="0"/>
+              <a:t>ピン</a:t>
+            </a:r>
+            <a:r>
+              <a:rPr kumimoji="1" lang="en-US" altLang="ja-JP" sz="1400" dirty="0"/>
+              <a:t>)</a:t>
+            </a:r>
+            <a:r>
+              <a:rPr kumimoji="1" lang="ja-JP" altLang="en-US" sz="1400" dirty="0"/>
+              <a:t>のことです。</a:t>
+            </a:r>
+            <a:br>
+              <a:rPr kumimoji="1" lang="en-US" altLang="ja-JP" sz="1400" dirty="0"/>
+            </a:br>
+            <a:endParaRPr kumimoji="1" lang="en-US" altLang="ja-JP" sz="1200" b="0" i="0" dirty="0">
+              <a:solidFill>
+                <a:srgbClr val="000000"/>
+              </a:solidFill>
+              <a:effectLst/>
+              <a:latin typeface="メイリオ" panose="020B0604030504040204" pitchFamily="50" charset="-128"/>
+              <a:ea typeface="メイリオ" panose="020B0604030504040204" pitchFamily="50" charset="-128"/>
+            </a:endParaRPr>
           </a:p>
         </p:txBody>
       </p:sp>
@@ -737,7 +1045,7 @@
           <a:p>
             <a:fld id="{C16F3310-22CA-492E-9943-CDED348D3B6F}" type="slidenum">
               <a:rPr kumimoji="1" lang="ja-JP" altLang="en-US" smtClean="0"/>
-              <a:t>4</a:t>
+              <a:t>3</a:t>
             </a:fld>
             <a:endParaRPr kumimoji="1" lang="ja-JP" altLang="en-US"/>
           </a:p>
@@ -746,7 +1054,7 @@
     </p:spTree>
     <p:extLst>
       <p:ext uri="{BB962C8B-B14F-4D97-AF65-F5344CB8AC3E}">
-        <p14:creationId xmlns:p14="http://schemas.microsoft.com/office/powerpoint/2010/main" val="3448376094"/>
+        <p14:creationId xmlns:p14="http://schemas.microsoft.com/office/powerpoint/2010/main" val="3159518508"/>
       </p:ext>
     </p:extLst>
   </p:cSld>
@@ -800,6 +1108,279 @@
           <a:bodyPr/>
           <a:lstStyle/>
           <a:p>
+            <a:endParaRPr kumimoji="1" lang="ja-JP" altLang="en-US" dirty="0"/>
+          </a:p>
+        </p:txBody>
+      </p:sp>
+      <p:sp>
+        <p:nvSpPr>
+          <p:cNvPr id="4" name="スライド番号プレースホルダー 3"/>
+          <p:cNvSpPr>
+            <a:spLocks noGrp="1"/>
+          </p:cNvSpPr>
+          <p:nvPr>
+            <p:ph type="sldNum" sz="quarter" idx="5"/>
+          </p:nvPr>
+        </p:nvSpPr>
+        <p:spPr/>
+        <p:txBody>
+          <a:bodyPr/>
+          <a:lstStyle/>
+          <a:p>
+            <a:fld id="{C16F3310-22CA-492E-9943-CDED348D3B6F}" type="slidenum">
+              <a:rPr kumimoji="1" lang="ja-JP" altLang="en-US" smtClean="0"/>
+              <a:t>4</a:t>
+            </a:fld>
+            <a:endParaRPr kumimoji="1" lang="ja-JP" altLang="en-US"/>
+          </a:p>
+        </p:txBody>
+      </p:sp>
+    </p:spTree>
+    <p:extLst>
+      <p:ext uri="{BB962C8B-B14F-4D97-AF65-F5344CB8AC3E}">
+        <p14:creationId xmlns:p14="http://schemas.microsoft.com/office/powerpoint/2010/main" val="3448376094"/>
+      </p:ext>
+    </p:extLst>
+  </p:cSld>
+  <p:clrMapOvr>
+    <a:masterClrMapping/>
+  </p:clrMapOvr>
+</p:notes>
+</file>
+
+<file path=ppt/notesSlides/notesSlide5.xml><?xml version="1.0" encoding="utf-8"?>
+<p:notes xmlns:a="http://schemas.openxmlformats.org/drawingml/2006/main" xmlns:r="http://schemas.openxmlformats.org/officeDocument/2006/relationships" xmlns:p="http://schemas.openxmlformats.org/presentationml/2006/main">
+  <p:cSld>
+    <p:spTree>
+      <p:nvGrpSpPr>
+        <p:cNvPr id="1" name=""/>
+        <p:cNvGrpSpPr/>
+        <p:nvPr/>
+      </p:nvGrpSpPr>
+      <p:grpSpPr>
+        <a:xfrm>
+          <a:off x="0" y="0"/>
+          <a:ext cx="0" cy="0"/>
+          <a:chOff x="0" y="0"/>
+          <a:chExt cx="0" cy="0"/>
+        </a:xfrm>
+      </p:grpSpPr>
+      <p:sp>
+        <p:nvSpPr>
+          <p:cNvPr id="2" name="スライド イメージ プレースホルダー 1"/>
+          <p:cNvSpPr>
+            <a:spLocks noGrp="1" noRot="1" noChangeAspect="1"/>
+          </p:cNvSpPr>
+          <p:nvPr>
+            <p:ph type="sldImg"/>
+          </p:nvPr>
+        </p:nvSpPr>
+        <p:spPr/>
+      </p:sp>
+      <p:sp>
+        <p:nvSpPr>
+          <p:cNvPr id="3" name="ノート プレースホルダー 2"/>
+          <p:cNvSpPr>
+            <a:spLocks noGrp="1"/>
+          </p:cNvSpPr>
+          <p:nvPr>
+            <p:ph type="body" idx="1"/>
+          </p:nvPr>
+        </p:nvSpPr>
+        <p:spPr/>
+        <p:txBody>
+          <a:bodyPr/>
+          <a:lstStyle/>
+          <a:p>
+            <a:pPr marL="0" marR="0" lvl="0" indent="0" algn="l" defTabSz="914400" rtl="0" eaLnBrk="1" fontAlgn="auto" latinLnBrk="0" hangingPunct="1">
+              <a:lnSpc>
+                <a:spcPct val="100000"/>
+              </a:lnSpc>
+              <a:spcBef>
+                <a:spcPts val="0"/>
+              </a:spcBef>
+              <a:spcAft>
+                <a:spcPts val="0"/>
+              </a:spcAft>
+              <a:buClrTx/>
+              <a:buSzTx/>
+              <a:buFontTx/>
+              <a:buNone/>
+              <a:tabLst/>
+              <a:defRPr/>
+            </a:pPr>
+            <a:r>
+              <a:rPr lang="ja-JP" altLang="en-US" dirty="0"/>
+              <a:t>ネットワークの有線接続でよく使われるケーブルとコネクタの説明になります。代表的なものとして</a:t>
+            </a:r>
+            <a:r>
+              <a:rPr kumimoji="1" lang="en-US" altLang="ja-JP" dirty="0"/>
+              <a:t>RJ-45</a:t>
+            </a:r>
+            <a:r>
+              <a:rPr kumimoji="1" lang="ja-JP" altLang="en-US" dirty="0"/>
+              <a:t>と</a:t>
+            </a:r>
+            <a:r>
+              <a:rPr lang="en-US" altLang="ja-JP" dirty="0"/>
+              <a:t>UTP</a:t>
+            </a:r>
+            <a:r>
+              <a:rPr lang="ja-JP" altLang="en-US" dirty="0"/>
+              <a:t>ケーブルがありあます。</a:t>
+            </a:r>
+            <a:endParaRPr kumimoji="1" lang="en-US" altLang="ja-JP" dirty="0"/>
+          </a:p>
+          <a:p>
+            <a:endParaRPr kumimoji="1" lang="en-US" altLang="ja-JP" dirty="0"/>
+          </a:p>
+          <a:p>
+            <a:r>
+              <a:rPr lang="en-US" altLang="ja-JP" b="1" dirty="0"/>
+              <a:t>UTP</a:t>
+            </a:r>
+            <a:r>
+              <a:rPr lang="ja-JP" altLang="en-US" dirty="0"/>
+              <a:t>は「</a:t>
+            </a:r>
+            <a:r>
+              <a:rPr lang="en-US" altLang="ja-JP" dirty="0"/>
+              <a:t>Unshielded Twisted Pair</a:t>
+            </a:r>
+            <a:r>
+              <a:rPr lang="ja-JP" altLang="en-US" dirty="0"/>
+              <a:t>（非シールドより対）」の略で、シールド（外部の干渉から守るための保護層）がないケーブルです。</a:t>
+            </a:r>
+            <a:endParaRPr kumimoji="1" lang="en-US" altLang="ja-JP" dirty="0"/>
+          </a:p>
+          <a:p>
+            <a:endParaRPr kumimoji="1" lang="en-US" altLang="ja-JP" dirty="0"/>
+          </a:p>
+          <a:p>
+            <a:r>
+              <a:rPr lang="en-US" altLang="ja-JP" b="1" dirty="0"/>
+              <a:t>RJ-45</a:t>
+            </a:r>
+            <a:r>
+              <a:rPr lang="ja-JP" altLang="en-US" dirty="0"/>
+              <a:t>は</a:t>
+            </a:r>
+            <a:r>
+              <a:rPr lang="en-US" altLang="ja-JP" dirty="0"/>
+              <a:t>UTP</a:t>
+            </a:r>
+            <a:r>
+              <a:rPr lang="ja-JP" altLang="en-US" dirty="0"/>
+              <a:t>ケーブルに使われるコネクタの規格で、「</a:t>
+            </a:r>
+            <a:r>
+              <a:rPr lang="en-US" altLang="ja-JP" dirty="0"/>
+              <a:t>Registered Jack 45</a:t>
+            </a:r>
+            <a:r>
+              <a:rPr lang="ja-JP" altLang="en-US" dirty="0"/>
+              <a:t>」の略です。</a:t>
+            </a:r>
+            <a:r>
+              <a:rPr lang="en-US" altLang="ja-JP" dirty="0"/>
+              <a:t>LAN</a:t>
+            </a:r>
+            <a:r>
+              <a:rPr lang="ja-JP" altLang="en-US" dirty="0"/>
+              <a:t>ケーブルの両端についているプラスチック製のコネクタで、パソコンやルーター、スイッチングハブの</a:t>
+            </a:r>
+            <a:r>
+              <a:rPr lang="en-US" altLang="ja-JP" dirty="0"/>
+              <a:t>LAN</a:t>
+            </a:r>
+            <a:r>
+              <a:rPr lang="ja-JP" altLang="en-US" dirty="0"/>
+              <a:t>ポートに差し込む部分です。</a:t>
+            </a:r>
+            <a:endParaRPr kumimoji="1" lang="ja-JP" altLang="en-US" dirty="0"/>
+          </a:p>
+        </p:txBody>
+      </p:sp>
+      <p:sp>
+        <p:nvSpPr>
+          <p:cNvPr id="4" name="スライド番号プレースホルダー 3"/>
+          <p:cNvSpPr>
+            <a:spLocks noGrp="1"/>
+          </p:cNvSpPr>
+          <p:nvPr>
+            <p:ph type="sldNum" sz="quarter" idx="5"/>
+          </p:nvPr>
+        </p:nvSpPr>
+        <p:spPr/>
+        <p:txBody>
+          <a:bodyPr/>
+          <a:lstStyle/>
+          <a:p>
+            <a:fld id="{C16F3310-22CA-492E-9943-CDED348D3B6F}" type="slidenum">
+              <a:rPr kumimoji="1" lang="ja-JP" altLang="en-US" smtClean="0"/>
+              <a:t>5</a:t>
+            </a:fld>
+            <a:endParaRPr kumimoji="1" lang="ja-JP" altLang="en-US"/>
+          </a:p>
+        </p:txBody>
+      </p:sp>
+    </p:spTree>
+    <p:extLst>
+      <p:ext uri="{BB962C8B-B14F-4D97-AF65-F5344CB8AC3E}">
+        <p14:creationId xmlns:p14="http://schemas.microsoft.com/office/powerpoint/2010/main" val="3772932780"/>
+      </p:ext>
+    </p:extLst>
+  </p:cSld>
+  <p:clrMapOvr>
+    <a:masterClrMapping/>
+  </p:clrMapOvr>
+</p:notes>
+</file>
+
+<file path=ppt/notesSlides/notesSlide6.xml><?xml version="1.0" encoding="utf-8"?>
+<p:notes xmlns:a="http://schemas.openxmlformats.org/drawingml/2006/main" xmlns:r="http://schemas.openxmlformats.org/officeDocument/2006/relationships" xmlns:p="http://schemas.openxmlformats.org/presentationml/2006/main">
+  <p:cSld>
+    <p:spTree>
+      <p:nvGrpSpPr>
+        <p:cNvPr id="1" name=""/>
+        <p:cNvGrpSpPr/>
+        <p:nvPr/>
+      </p:nvGrpSpPr>
+      <p:grpSpPr>
+        <a:xfrm>
+          <a:off x="0" y="0"/>
+          <a:ext cx="0" cy="0"/>
+          <a:chOff x="0" y="0"/>
+          <a:chExt cx="0" cy="0"/>
+        </a:xfrm>
+      </p:grpSpPr>
+      <p:sp>
+        <p:nvSpPr>
+          <p:cNvPr id="2" name="スライド イメージ プレースホルダー 1"/>
+          <p:cNvSpPr>
+            <a:spLocks noGrp="1" noRot="1" noChangeAspect="1"/>
+          </p:cNvSpPr>
+          <p:nvPr>
+            <p:ph type="sldImg"/>
+          </p:nvPr>
+        </p:nvSpPr>
+        <p:spPr/>
+      </p:sp>
+      <p:sp>
+        <p:nvSpPr>
+          <p:cNvPr id="3" name="ノート プレースホルダー 2"/>
+          <p:cNvSpPr>
+            <a:spLocks noGrp="1"/>
+          </p:cNvSpPr>
+          <p:nvPr>
+            <p:ph type="body" idx="1"/>
+          </p:nvPr>
+        </p:nvSpPr>
+        <p:spPr/>
+        <p:txBody>
+          <a:bodyPr/>
+          <a:lstStyle/>
+          <a:p>
             <a:r>
               <a:rPr kumimoji="1" lang="ja-JP" altLang="en-US" dirty="0"/>
               <a:t>最初に</a:t>
@@ -1100,7 +1681,7 @@
           <a:p>
             <a:fld id="{C16F3310-22CA-492E-9943-CDED348D3B6F}" type="slidenum">
               <a:rPr kumimoji="1" lang="ja-JP" altLang="en-US" smtClean="0"/>
-              <a:t>9</a:t>
+              <a:t>8</a:t>
             </a:fld>
             <a:endParaRPr kumimoji="1" lang="ja-JP" altLang="en-US"/>
           </a:p>
@@ -1266,7 +1847,7 @@
           <a:p>
             <a:fld id="{CA6E2DB6-E2B4-4A7B-86FC-506B29E30D4E}" type="datetimeFigureOut">
               <a:rPr kumimoji="1" lang="ja-JP" altLang="en-US" smtClean="0"/>
-              <a:t>2024/10/25</a:t>
+              <a:t>2024/10/26</a:t>
             </a:fld>
             <a:endParaRPr kumimoji="1" lang="ja-JP" altLang="en-US"/>
           </a:p>
@@ -1496,7 +2077,7 @@
           <a:p>
             <a:fld id="{CA6E2DB6-E2B4-4A7B-86FC-506B29E30D4E}" type="datetimeFigureOut">
               <a:rPr kumimoji="1" lang="ja-JP" altLang="en-US" smtClean="0"/>
-              <a:t>2024/10/25</a:t>
+              <a:t>2024/10/26</a:t>
             </a:fld>
             <a:endParaRPr kumimoji="1" lang="ja-JP" altLang="en-US"/>
           </a:p>
@@ -1736,7 +2317,7 @@
           <a:p>
             <a:fld id="{CA6E2DB6-E2B4-4A7B-86FC-506B29E30D4E}" type="datetimeFigureOut">
               <a:rPr kumimoji="1" lang="ja-JP" altLang="en-US" smtClean="0"/>
-              <a:t>2024/10/25</a:t>
+              <a:t>2024/10/26</a:t>
             </a:fld>
             <a:endParaRPr kumimoji="1" lang="ja-JP" altLang="en-US"/>
           </a:p>
@@ -1966,7 +2547,7 @@
           <a:p>
             <a:fld id="{CA6E2DB6-E2B4-4A7B-86FC-506B29E30D4E}" type="datetimeFigureOut">
               <a:rPr kumimoji="1" lang="ja-JP" altLang="en-US" smtClean="0"/>
-              <a:t>2024/10/25</a:t>
+              <a:t>2024/10/26</a:t>
             </a:fld>
             <a:endParaRPr kumimoji="1" lang="ja-JP" altLang="en-US"/>
           </a:p>
@@ -2241,7 +2822,7 @@
           <a:p>
             <a:fld id="{CA6E2DB6-E2B4-4A7B-86FC-506B29E30D4E}" type="datetimeFigureOut">
               <a:rPr kumimoji="1" lang="ja-JP" altLang="en-US" smtClean="0"/>
-              <a:t>2024/10/25</a:t>
+              <a:t>2024/10/26</a:t>
             </a:fld>
             <a:endParaRPr kumimoji="1" lang="ja-JP" altLang="en-US"/>
           </a:p>
@@ -2570,7 +3151,7 @@
           <a:p>
             <a:fld id="{CA6E2DB6-E2B4-4A7B-86FC-506B29E30D4E}" type="datetimeFigureOut">
               <a:rPr kumimoji="1" lang="ja-JP" altLang="en-US" smtClean="0"/>
-              <a:t>2024/10/25</a:t>
+              <a:t>2024/10/26</a:t>
             </a:fld>
             <a:endParaRPr kumimoji="1" lang="ja-JP" altLang="en-US"/>
           </a:p>
@@ -3046,7 +3627,7 @@
           <a:p>
             <a:fld id="{CA6E2DB6-E2B4-4A7B-86FC-506B29E30D4E}" type="datetimeFigureOut">
               <a:rPr kumimoji="1" lang="ja-JP" altLang="en-US" smtClean="0"/>
-              <a:t>2024/10/25</a:t>
+              <a:t>2024/10/26</a:t>
             </a:fld>
             <a:endParaRPr kumimoji="1" lang="ja-JP" altLang="en-US"/>
           </a:p>
@@ -3187,7 +3768,7 @@
           <a:p>
             <a:fld id="{CA6E2DB6-E2B4-4A7B-86FC-506B29E30D4E}" type="datetimeFigureOut">
               <a:rPr kumimoji="1" lang="ja-JP" altLang="en-US" smtClean="0"/>
-              <a:t>2024/10/25</a:t>
+              <a:t>2024/10/26</a:t>
             </a:fld>
             <a:endParaRPr kumimoji="1" lang="ja-JP" altLang="en-US"/>
           </a:p>
@@ -3300,7 +3881,7 @@
           <a:p>
             <a:fld id="{CA6E2DB6-E2B4-4A7B-86FC-506B29E30D4E}" type="datetimeFigureOut">
               <a:rPr kumimoji="1" lang="ja-JP" altLang="en-US" smtClean="0"/>
-              <a:t>2024/10/25</a:t>
+              <a:t>2024/10/26</a:t>
             </a:fld>
             <a:endParaRPr kumimoji="1" lang="ja-JP" altLang="en-US"/>
           </a:p>
@@ -3643,7 +4224,7 @@
           <a:p>
             <a:fld id="{CA6E2DB6-E2B4-4A7B-86FC-506B29E30D4E}" type="datetimeFigureOut">
               <a:rPr kumimoji="1" lang="ja-JP" altLang="en-US" smtClean="0"/>
-              <a:t>2024/10/25</a:t>
+              <a:t>2024/10/26</a:t>
             </a:fld>
             <a:endParaRPr kumimoji="1" lang="ja-JP" altLang="en-US"/>
           </a:p>
@@ -3931,7 +4512,7 @@
           <a:p>
             <a:fld id="{CA6E2DB6-E2B4-4A7B-86FC-506B29E30D4E}" type="datetimeFigureOut">
               <a:rPr kumimoji="1" lang="ja-JP" altLang="en-US" smtClean="0"/>
-              <a:t>2024/10/25</a:t>
+              <a:t>2024/10/26</a:t>
             </a:fld>
             <a:endParaRPr kumimoji="1" lang="ja-JP" altLang="en-US"/>
           </a:p>
@@ -4204,7 +4785,7 @@
           <a:p>
             <a:fld id="{CA6E2DB6-E2B4-4A7B-86FC-506B29E30D4E}" type="datetimeFigureOut">
               <a:rPr kumimoji="1" lang="ja-JP" altLang="en-US" smtClean="0"/>
-              <a:t>2024/10/25</a:t>
+              <a:t>2024/10/26</a:t>
             </a:fld>
             <a:endParaRPr kumimoji="1" lang="ja-JP" altLang="en-US"/>
           </a:p>
@@ -4643,13 +5224,14 @@
           <a:lstStyle/>
           <a:p>
             <a:r>
-              <a:rPr kumimoji="1" lang="en-US" altLang="ja-JP" dirty="0"/>
+              <a:rPr kumimoji="1" lang="en-US" altLang="ja-JP"/>
               <a:t>LAN</a:t>
             </a:r>
             <a:r>
-              <a:rPr kumimoji="1" lang="ja-JP" altLang="en-US" dirty="0"/>
+              <a:rPr kumimoji="1" lang="ja-JP" altLang="en-US"/>
               <a:t>ケーブル</a:t>
             </a:r>
+            <a:endParaRPr kumimoji="1" lang="ja-JP" altLang="en-US" dirty="0"/>
           </a:p>
         </p:txBody>
       </p:sp>
@@ -4669,9 +5251,16 @@
             <p:ph idx="1"/>
           </p:nvPr>
         </p:nvSpPr>
-        <p:spPr/>
-        <p:txBody>
-          <a:bodyPr/>
+        <p:spPr>
+          <a:xfrm>
+            <a:off x="838200" y="1576250"/>
+            <a:ext cx="10515600" cy="5155475"/>
+          </a:xfrm>
+        </p:spPr>
+        <p:txBody>
+          <a:bodyPr>
+            <a:normAutofit lnSpcReduction="10000"/>
+          </a:bodyPr>
           <a:lstStyle/>
           <a:p>
             <a:r>
@@ -4695,35 +5284,6 @@
             <a:endParaRPr lang="en-US" altLang="ja-JP" dirty="0"/>
           </a:p>
           <a:p>
-            <a:r>
-              <a:rPr lang="ja-JP" altLang="en-US" b="0" i="0" dirty="0">
-                <a:solidFill>
-                  <a:srgbClr val="333333"/>
-                </a:solidFill>
-                <a:effectLst/>
-                <a:latin typeface="-apple-system"/>
-              </a:rPr>
-              <a:t>現在では、</a:t>
-            </a:r>
-            <a:br>
-              <a:rPr lang="en-US" altLang="ja-JP" b="0" i="0" dirty="0">
-                <a:solidFill>
-                  <a:srgbClr val="333333"/>
-                </a:solidFill>
-                <a:effectLst/>
-                <a:latin typeface="-apple-system"/>
-              </a:rPr>
-            </a:br>
-            <a:r>
-              <a:rPr lang="ja-JP" altLang="en-US" b="0" i="0" dirty="0">
-                <a:solidFill>
-                  <a:srgbClr val="333333"/>
-                </a:solidFill>
-                <a:effectLst/>
-                <a:latin typeface="-apple-system"/>
-              </a:rPr>
-              <a:t>ほとんどの機器がケーブルの使い分けを意識しなくともよい。</a:t>
-            </a:r>
             <a:endParaRPr lang="en-US" altLang="ja-JP" b="0" i="0" dirty="0">
               <a:solidFill>
                 <a:srgbClr val="333333"/>
@@ -4734,33 +5294,33 @@
           </a:p>
           <a:p>
             <a:r>
-              <a:rPr lang="en-US" altLang="ja-JP" dirty="0">
-                <a:solidFill>
-                  <a:srgbClr val="333333"/>
-                </a:solidFill>
-                <a:latin typeface="-apple-system"/>
-              </a:rPr>
-              <a:t>※</a:t>
-            </a:r>
-            <a:r>
-              <a:rPr lang="en-US" altLang="ja-JP" b="0" i="0" dirty="0">
+              <a:rPr lang="ja-JP" altLang="en-US" b="0" i="0" dirty="0">
                 <a:solidFill>
                   <a:srgbClr val="333333"/>
                 </a:solidFill>
                 <a:effectLst/>
                 <a:latin typeface="-apple-system"/>
               </a:rPr>
-              <a:t>Auto MDI/MDI-X</a:t>
-            </a:r>
-            <a:r>
-              <a:rPr lang="ja-JP" altLang="en-US" b="0" i="0" dirty="0">
+              <a:t>現在では、</a:t>
+            </a:r>
+            <a:br>
+              <a:rPr lang="en-US" altLang="ja-JP" b="0" i="0" dirty="0">
                 <a:solidFill>
                   <a:srgbClr val="333333"/>
                 </a:solidFill>
                 <a:effectLst/>
                 <a:latin typeface="-apple-system"/>
               </a:rPr>
-              <a:t>という機能によるもの</a:t>
+            </a:br>
+            <a:r>
+              <a:rPr lang="ja-JP" altLang="en-US" b="0" i="0" dirty="0">
+                <a:solidFill>
+                  <a:srgbClr val="333333"/>
+                </a:solidFill>
+                <a:effectLst/>
+                <a:latin typeface="-apple-system"/>
+              </a:rPr>
+              <a:t>ほとんどの機器がケーブルの使い分けを意識しなくともよい。</a:t>
             </a:r>
             <a:endParaRPr lang="en-US" altLang="ja-JP" b="0" i="0" dirty="0">
               <a:solidFill>
@@ -4770,6 +5330,110 @@
               <a:latin typeface="-apple-system"/>
             </a:endParaRPr>
           </a:p>
+          <a:p>
+            <a:r>
+              <a:rPr lang="en-US" altLang="ja-JP" dirty="0">
+                <a:solidFill>
+                  <a:srgbClr val="333333"/>
+                </a:solidFill>
+                <a:latin typeface="-apple-system"/>
+              </a:rPr>
+              <a:t>※</a:t>
+            </a:r>
+            <a:r>
+              <a:rPr lang="en-US" altLang="ja-JP" b="0" i="0" dirty="0">
+                <a:solidFill>
+                  <a:srgbClr val="333333"/>
+                </a:solidFill>
+                <a:effectLst/>
+                <a:latin typeface="-apple-system"/>
+              </a:rPr>
+              <a:t>Auto MDI/MDI-X</a:t>
+            </a:r>
+            <a:r>
+              <a:rPr lang="ja-JP" altLang="en-US" b="0" i="0" dirty="0">
+                <a:solidFill>
+                  <a:srgbClr val="333333"/>
+                </a:solidFill>
+                <a:effectLst/>
+                <a:latin typeface="-apple-system"/>
+              </a:rPr>
+              <a:t>という機能によるもの</a:t>
+            </a:r>
+            <a:endParaRPr lang="en-US" altLang="ja-JP" b="0" i="0" dirty="0">
+              <a:solidFill>
+                <a:srgbClr val="333333"/>
+              </a:solidFill>
+              <a:effectLst/>
+              <a:latin typeface="-apple-system"/>
+            </a:endParaRPr>
+          </a:p>
+          <a:p>
+            <a:endParaRPr lang="en-US" altLang="ja-JP" dirty="0">
+              <a:solidFill>
+                <a:srgbClr val="333333"/>
+              </a:solidFill>
+              <a:latin typeface="-apple-system"/>
+            </a:endParaRPr>
+          </a:p>
+          <a:p>
+            <a:r>
+              <a:rPr kumimoji="1" lang="en-US" altLang="ja-JP" dirty="0"/>
+              <a:t>LAN:</a:t>
+            </a:r>
+            <a:r>
+              <a:rPr kumimoji="1" lang="ja-JP" altLang="en-US" dirty="0"/>
+              <a:t>（</a:t>
+            </a:r>
+            <a:r>
+              <a:rPr kumimoji="1" lang="en-US" altLang="ja-JP" dirty="0"/>
+              <a:t>Local Area Network</a:t>
+            </a:r>
+            <a:r>
+              <a:rPr kumimoji="1" lang="ja-JP" altLang="en-US" dirty="0"/>
+              <a:t>）</a:t>
+            </a:r>
+            <a:br>
+              <a:rPr lang="en-US" altLang="ja-JP" dirty="0"/>
+            </a:br>
+            <a:r>
+              <a:rPr lang="en-US" altLang="ja-JP" dirty="0"/>
+              <a:t>	</a:t>
+            </a:r>
+            <a:r>
+              <a:rPr kumimoji="1" lang="ja-JP" altLang="en-US" dirty="0"/>
+              <a:t>限られた範囲内にある機器をケーブル</a:t>
+            </a:r>
+            <a:r>
+              <a:rPr lang="ja-JP" altLang="en-US" dirty="0"/>
+              <a:t>等</a:t>
+            </a:r>
+            <a:r>
+              <a:rPr kumimoji="1" lang="ja-JP" altLang="en-US" dirty="0"/>
+              <a:t>で接続し、</a:t>
+            </a:r>
+            <a:br>
+              <a:rPr kumimoji="1" lang="en-US" altLang="ja-JP" dirty="0"/>
+            </a:br>
+            <a:r>
+              <a:rPr kumimoji="1" lang="en-US" altLang="ja-JP" dirty="0"/>
+              <a:t>	</a:t>
+            </a:r>
+            <a:r>
+              <a:rPr kumimoji="1" lang="ja-JP" altLang="en-US" dirty="0"/>
+              <a:t>相互にデータ通信できるようにしたネットワーク。</a:t>
+            </a:r>
+            <a:endParaRPr kumimoji="1" lang="en-US" altLang="ja-JP" dirty="0"/>
+          </a:p>
+          <a:p>
+            <a:endParaRPr lang="en-US" altLang="ja-JP" b="0" i="0" dirty="0">
+              <a:solidFill>
+                <a:srgbClr val="333333"/>
+              </a:solidFill>
+              <a:effectLst/>
+              <a:latin typeface="-apple-system"/>
+            </a:endParaRPr>
+          </a:p>
         </p:txBody>
       </p:sp>
       <p:pic>
@@ -4787,7 +5451,7 @@
           <p:nvPr/>
         </p:nvPicPr>
         <p:blipFill>
-          <a:blip r:embed="rId2">
+          <a:blip r:embed="rId3">
             <a:extLst>
               <a:ext uri="{28A0092B-C50C-407E-A947-70E740481C1C}">
                 <a14:useLocalDpi xmlns:a14="http://schemas.microsoft.com/office/drawing/2010/main" val="0"/>
@@ -5258,7 +5922,7 @@
           <p:nvPr>
             <p:extLst>
               <p:ext uri="{D42A27DB-BD31-4B8C-83A1-F6EECF244321}">
-                <p14:modId xmlns:p14="http://schemas.microsoft.com/office/powerpoint/2010/main" val="2271199855"/>
+                <p14:modId xmlns:p14="http://schemas.microsoft.com/office/powerpoint/2010/main" val="599185603"/>
               </p:ext>
             </p:extLst>
           </p:nvPr>
@@ -5356,7 +6020,19 @@
                         <a:rPr lang="ja-JP" altLang="en-US" dirty="0">
                           <a:effectLst/>
                         </a:rPr>
-                        <a:t>パソコンさん同士を接続するときに使う</a:t>
+                        <a:t>主に</a:t>
+                      </a:r>
+                      <a:r>
+                        <a:rPr lang="en-US" altLang="ja-JP" dirty="0">
+                          <a:effectLst/>
+                        </a:rPr>
+                        <a:t>PC</a:t>
+                      </a:r>
+                      <a:r>
+                        <a:rPr lang="ja-JP" altLang="en-US" dirty="0">
+                          <a:effectLst/>
+                        </a:rPr>
+                        <a:t>同士をを接続するときに使う</a:t>
                       </a:r>
                       <a:r>
                         <a:rPr lang="en-US" altLang="ja-JP" dirty="0">
@@ -5489,7 +6165,7 @@
                         <a:rPr lang="ja-JP" altLang="en-US" dirty="0">
                           <a:effectLst/>
                         </a:rPr>
-                        <a:t>普通にインターネットをするときに使う</a:t>
+                        <a:t>主にインターネットをするときに使う</a:t>
                       </a:r>
                       <a:r>
                         <a:rPr lang="en-US" altLang="ja-JP" dirty="0">
@@ -5761,7 +6437,7 @@
         </p:nvSpPr>
         <p:spPr>
           <a:xfrm>
-            <a:off x="818984" y="4368800"/>
+            <a:off x="818984" y="4233513"/>
             <a:ext cx="11093615" cy="1962150"/>
           </a:xfrm>
         </p:spPr>
@@ -7610,16 +8286,20 @@
             <p:ph type="title"/>
           </p:nvPr>
         </p:nvSpPr>
-        <p:spPr/>
+        <p:spPr>
+          <a:xfrm>
+            <a:off x="280851" y="54951"/>
+            <a:ext cx="10515600" cy="1325563"/>
+          </a:xfrm>
+        </p:spPr>
         <p:txBody>
           <a:bodyPr/>
           <a:lstStyle/>
           <a:p>
             <a:r>
-              <a:rPr lang="ja-JP" altLang="en-US" dirty="0"/>
-              <a:t>詳細解説</a:t>
-            </a:r>
-            <a:endParaRPr kumimoji="1" lang="ja-JP" altLang="en-US" dirty="0"/>
+              <a:rPr kumimoji="1" lang="ja-JP" altLang="en-US" dirty="0"/>
+              <a:t>用語まとめ</a:t>
+            </a:r>
           </a:p>
         </p:txBody>
       </p:sp>
@@ -7641,27 +8321,22 @@
         </p:nvSpPr>
         <p:spPr>
           <a:xfrm>
-            <a:off x="0" y="1567655"/>
-            <a:ext cx="9213850" cy="4860925"/>
+            <a:off x="0" y="1262743"/>
+            <a:ext cx="9213850" cy="5165837"/>
           </a:xfrm>
         </p:spPr>
         <p:txBody>
           <a:bodyPr>
-            <a:normAutofit/>
+            <a:normAutofit fontScale="92500" lnSpcReduction="20000"/>
           </a:bodyPr>
           <a:lstStyle/>
           <a:p>
+            <a:pPr marL="0" indent="0">
+              <a:buNone/>
+            </a:pPr>
             <a:r>
               <a:rPr kumimoji="1" lang="ja-JP" altLang="en-US" dirty="0"/>
-              <a:t>上記はあくまでも</a:t>
-            </a:r>
-            <a:r>
-              <a:rPr kumimoji="1" lang="en-US" altLang="ja-JP" dirty="0"/>
-              <a:t>UTP</a:t>
-            </a:r>
-            <a:r>
-              <a:rPr kumimoji="1" lang="ja-JP" altLang="en-US" dirty="0"/>
-              <a:t>ケーブル、</a:t>
+              <a:t>・ピン：金属端子、</a:t>
             </a:r>
             <a:r>
               <a:rPr kumimoji="1" lang="en-US" altLang="ja-JP" dirty="0"/>
@@ -7669,17 +8344,6 @@
             </a:r>
             <a:r>
               <a:rPr kumimoji="1" lang="ja-JP" altLang="en-US" dirty="0"/>
-              <a:t>のお話。</a:t>
-            </a:r>
-            <a:endParaRPr kumimoji="1" lang="en-US" altLang="ja-JP" dirty="0"/>
-          </a:p>
-          <a:p>
-            <a:r>
-              <a:rPr kumimoji="1" lang="en-US" altLang="ja-JP" dirty="0"/>
-              <a:t>RJ-45</a:t>
-            </a:r>
-            <a:r>
-              <a:rPr kumimoji="1" lang="ja-JP" altLang="en-US" dirty="0"/>
               <a:t>のコネクタには</a:t>
             </a:r>
             <a:r>
@@ -7688,58 +8352,52 @@
             </a:r>
             <a:r>
               <a:rPr kumimoji="1" lang="ja-JP" altLang="en-US" dirty="0"/>
-              <a:t>本の銅線に対応した</a:t>
-            </a:r>
+              <a:t>本の銅線に対応</a:t>
+            </a:r>
+            <a:endParaRPr kumimoji="1" lang="en-US" altLang="ja-JP" dirty="0"/>
+          </a:p>
+          <a:p>
+            <a:pPr marL="0" indent="0">
+              <a:buNone/>
+            </a:pPr>
             <a:r>
               <a:rPr kumimoji="1" lang="en-US" altLang="ja-JP" dirty="0"/>
-              <a:t>8</a:t>
+              <a:t>	</a:t>
             </a:r>
             <a:r>
               <a:rPr kumimoji="1" lang="ja-JP" altLang="en-US" dirty="0"/>
-              <a:t>つの</a:t>
-            </a:r>
-            <a:br>
+              <a:t>　た８個</a:t>
+            </a:r>
+            <a:endParaRPr kumimoji="1" lang="en-US" altLang="ja-JP" dirty="0"/>
+          </a:p>
+          <a:p>
+            <a:pPr marL="0" indent="0">
+              <a:buNone/>
+            </a:pPr>
+            <a:endParaRPr lang="en-US" altLang="ja-JP" dirty="0"/>
+          </a:p>
+          <a:p>
+            <a:pPr marL="0" indent="0">
+              <a:buNone/>
+            </a:pPr>
+            <a:r>
+              <a:rPr lang="ja-JP" altLang="en-US" dirty="0"/>
+              <a:t>・ポート：</a:t>
+            </a:r>
+            <a:r>
               <a:rPr lang="en-US" altLang="ja-JP" dirty="0"/>
-            </a:br>
-            <a:r>
-              <a:rPr kumimoji="1" lang="ja-JP" altLang="en-US" dirty="0"/>
-              <a:t>金属端子</a:t>
-            </a:r>
-            <a:r>
-              <a:rPr kumimoji="1" lang="en-US" altLang="ja-JP" dirty="0"/>
-              <a:t>(</a:t>
-            </a:r>
-            <a:r>
-              <a:rPr kumimoji="1" lang="ja-JP" altLang="en-US" dirty="0"/>
-              <a:t>ピン</a:t>
-            </a:r>
-            <a:r>
-              <a:rPr kumimoji="1" lang="en-US" altLang="ja-JP" dirty="0"/>
-              <a:t>)</a:t>
-            </a:r>
-            <a:r>
-              <a:rPr kumimoji="1" lang="ja-JP" altLang="en-US" dirty="0"/>
-              <a:t>があり</a:t>
+              <a:t>IT</a:t>
             </a:r>
             <a:r>
               <a:rPr lang="ja-JP" altLang="en-US" dirty="0"/>
-              <a:t>、ストレートケーブルとクロスケーブルの違いは、両端の</a:t>
-            </a:r>
-            <a:r>
-              <a:rPr lang="en-US" altLang="ja-JP" dirty="0"/>
-              <a:t>RJ-45</a:t>
-            </a:r>
-            <a:r>
-              <a:rPr lang="ja-JP" altLang="en-US" dirty="0"/>
-              <a:t>のピンがどのように</a:t>
-            </a:r>
-            <a:br>
-              <a:rPr lang="en-US" altLang="ja-JP" dirty="0"/>
-            </a:br>
-            <a:r>
-              <a:rPr lang="ja-JP" altLang="en-US" dirty="0"/>
-              <a:t>結線されているか。</a:t>
-            </a:r>
+              <a:t>においては主に挿入口</a:t>
+            </a:r>
+            <a:endParaRPr lang="en-US" altLang="ja-JP" dirty="0"/>
+          </a:p>
+          <a:p>
+            <a:endParaRPr lang="en-US" altLang="ja-JP" dirty="0"/>
+          </a:p>
+          <a:p>
             <a:endParaRPr lang="en-US" altLang="ja-JP" dirty="0"/>
           </a:p>
           <a:p>
@@ -7786,6 +8444,9 @@
             <a:endParaRPr kumimoji="1" lang="en-US" altLang="ja-JP" dirty="0"/>
           </a:p>
           <a:p>
+            <a:endParaRPr kumimoji="1" lang="en-US" altLang="ja-JP" dirty="0"/>
+          </a:p>
+          <a:p>
             <a:r>
               <a:rPr kumimoji="1" lang="en-US" altLang="ja-JP" dirty="0"/>
               <a:t>MDI-X </a:t>
@@ -7826,6 +8487,9 @@
               <a:rPr kumimoji="1" lang="ja-JP" altLang="en-US" dirty="0"/>
               <a:t>番が送信用。</a:t>
             </a:r>
+          </a:p>
+          <a:p>
+            <a:endParaRPr kumimoji="1" lang="en-US" altLang="ja-JP" dirty="0"/>
           </a:p>
           <a:p>
             <a:r>
@@ -8055,13 +8719,13 @@
                     <a:p>
                       <a:pPr algn="ctr"/>
                       <a:r>
-                        <a:rPr lang="en-US" sz="1200">
+                        <a:rPr lang="en-US" sz="1200" dirty="0">
                           <a:effectLst/>
                         </a:rPr>
                         <a:t>MDI-X </a:t>
                       </a:r>
                       <a:r>
-                        <a:rPr lang="ja-JP" altLang="en-US" sz="1200">
+                        <a:rPr lang="ja-JP" altLang="en-US" sz="1200" dirty="0">
                           <a:effectLst/>
                         </a:rPr>
                         <a:t>ポート</a:t>
@@ -10357,7 +11021,7 @@
           <a:p>
             <a:r>
               <a:rPr kumimoji="1" lang="ja-JP" altLang="en-US" dirty="0"/>
-              <a:t>用語詳細</a:t>
+              <a:t>用語詳細２</a:t>
             </a:r>
           </a:p>
         </p:txBody>
@@ -10381,7 +11045,7 @@
         <p:spPr>
           <a:xfrm>
             <a:off x="514349" y="1101777"/>
-            <a:ext cx="11677651" cy="5973580"/>
+            <a:ext cx="11545237" cy="5973580"/>
           </a:xfrm>
         </p:spPr>
         <p:txBody>
@@ -10394,96 +11058,311 @@
               <a:buNone/>
             </a:pPr>
             <a:r>
-              <a:rPr kumimoji="1" lang="en-US" altLang="ja-JP" dirty="0"/>
-              <a:t>LAN:</a:t>
-            </a:r>
-            <a:r>
-              <a:rPr kumimoji="1" lang="ja-JP" altLang="en-US" dirty="0"/>
-              <a:t>（</a:t>
-            </a:r>
-            <a:r>
-              <a:rPr kumimoji="1" lang="en-US" altLang="ja-JP" dirty="0"/>
-              <a:t>Local Area Network</a:t>
-            </a:r>
-            <a:r>
-              <a:rPr kumimoji="1" lang="ja-JP" altLang="en-US" dirty="0"/>
-              <a:t>）</a:t>
-            </a:r>
-            <a:br>
               <a:rPr lang="en-US" altLang="ja-JP" dirty="0"/>
-            </a:br>
+              <a:t>MDI </a:t>
+            </a:r>
+            <a:r>
+              <a:rPr lang="ja-JP" altLang="en-US" dirty="0"/>
+              <a:t>：</a:t>
+            </a:r>
             <a:r>
               <a:rPr lang="en-US" altLang="ja-JP" dirty="0"/>
-              <a:t>	</a:t>
-            </a:r>
-            <a:r>
-              <a:rPr kumimoji="1" lang="ja-JP" altLang="en-US" dirty="0"/>
-              <a:t>限られた範囲内にある機器をケーブル</a:t>
-            </a:r>
-            <a:r>
-              <a:rPr lang="ja-JP" altLang="en-US" dirty="0"/>
-              <a:t>等</a:t>
-            </a:r>
-            <a:r>
-              <a:rPr kumimoji="1" lang="ja-JP" altLang="en-US" dirty="0"/>
-              <a:t>で接続し、</a:t>
-            </a:r>
-            <a:br>
-              <a:rPr kumimoji="1" lang="en-US" altLang="ja-JP" dirty="0"/>
-            </a:br>
-            <a:r>
-              <a:rPr kumimoji="1" lang="en-US" altLang="ja-JP" dirty="0"/>
-              <a:t>	</a:t>
-            </a:r>
-            <a:r>
-              <a:rPr kumimoji="1" lang="ja-JP" altLang="en-US" dirty="0"/>
-              <a:t>相互にデータ通信できるようにしたネットワーク。</a:t>
-            </a:r>
-            <a:endParaRPr kumimoji="1" lang="en-US" altLang="ja-JP" dirty="0"/>
+              <a:t>Medium Dependent Interface(</a:t>
+            </a:r>
+            <a:r>
+              <a:rPr lang="ja-JP" altLang="en-US" b="0" i="0" dirty="0">
+                <a:solidFill>
+                  <a:srgbClr val="111111"/>
+                </a:solidFill>
+                <a:effectLst/>
+                <a:latin typeface="Roboto" panose="02000000000000000000" pitchFamily="2" charset="0"/>
+              </a:rPr>
+              <a:t>伝送媒体依存インタフェース</a:t>
+            </a:r>
+            <a:endParaRPr lang="en-US" altLang="ja-JP" b="0" i="0" dirty="0">
+              <a:solidFill>
+                <a:srgbClr val="333333"/>
+              </a:solidFill>
+              <a:effectLst/>
+              <a:latin typeface="-apple-system"/>
+            </a:endParaRPr>
           </a:p>
           <a:p>
             <a:pPr marL="0" indent="0">
               <a:buNone/>
             </a:pPr>
             <a:r>
-              <a:rPr kumimoji="1" lang="ja-JP" altLang="en-US" dirty="0"/>
-              <a:t>ピン：金属端子、</a:t>
-            </a:r>
-            <a:r>
-              <a:rPr kumimoji="1" lang="en-US" altLang="ja-JP" dirty="0"/>
-              <a:t>RJ-45</a:t>
-            </a:r>
-            <a:r>
-              <a:rPr kumimoji="1" lang="ja-JP" altLang="en-US" dirty="0"/>
-              <a:t>のコネクタには</a:t>
-            </a:r>
-            <a:r>
-              <a:rPr kumimoji="1" lang="en-US" altLang="ja-JP" dirty="0"/>
-              <a:t>8</a:t>
-            </a:r>
-            <a:r>
-              <a:rPr kumimoji="1" lang="ja-JP" altLang="en-US" dirty="0"/>
-              <a:t>本の銅線に対応した８個</a:t>
-            </a:r>
-            <a:endParaRPr kumimoji="1" lang="en-US" altLang="ja-JP" dirty="0"/>
+              <a:rPr lang="en-US" altLang="ja-JP" b="0" i="0" dirty="0">
+                <a:solidFill>
+                  <a:srgbClr val="333333"/>
+                </a:solidFill>
+                <a:effectLst/>
+                <a:latin typeface="-apple-system"/>
+              </a:rPr>
+              <a:t>Auto MDI/MDI-X</a:t>
+            </a:r>
+            <a:r>
+              <a:rPr lang="ja-JP" altLang="en-US" b="0" i="0" dirty="0">
+                <a:solidFill>
+                  <a:srgbClr val="333333"/>
+                </a:solidFill>
+                <a:effectLst/>
+                <a:latin typeface="-apple-system"/>
+              </a:rPr>
+              <a:t>：対応しているインタフェースは</a:t>
+            </a:r>
+            <a:r>
+              <a:rPr lang="en-US" altLang="ja-JP" b="0" i="0" dirty="0">
+                <a:solidFill>
+                  <a:srgbClr val="333333"/>
+                </a:solidFill>
+                <a:effectLst/>
+                <a:latin typeface="-apple-system"/>
+              </a:rPr>
+              <a:t>MDI</a:t>
+            </a:r>
+            <a:r>
+              <a:rPr lang="ja-JP" altLang="en-US" b="0" i="0" dirty="0">
+                <a:solidFill>
+                  <a:srgbClr val="333333"/>
+                </a:solidFill>
+                <a:effectLst/>
+                <a:latin typeface="-apple-system"/>
+              </a:rPr>
+              <a:t>か</a:t>
+            </a:r>
+            <a:r>
+              <a:rPr lang="en-US" altLang="ja-JP" b="0" i="0" dirty="0">
+                <a:solidFill>
+                  <a:srgbClr val="333333"/>
+                </a:solidFill>
+                <a:effectLst/>
+                <a:latin typeface="-apple-system"/>
+              </a:rPr>
+              <a:t>MDI-X</a:t>
+            </a:r>
+            <a:r>
+              <a:rPr lang="ja-JP" altLang="en-US" b="0" i="0" dirty="0">
+                <a:solidFill>
+                  <a:srgbClr val="333333"/>
+                </a:solidFill>
+                <a:effectLst/>
+                <a:latin typeface="-apple-system"/>
+              </a:rPr>
+              <a:t>か</a:t>
+            </a:r>
+            <a:br>
+              <a:rPr lang="en-US" altLang="ja-JP" b="0" i="0" dirty="0">
+                <a:solidFill>
+                  <a:srgbClr val="333333"/>
+                </a:solidFill>
+                <a:effectLst/>
+                <a:latin typeface="-apple-system"/>
+              </a:rPr>
+            </a:br>
+            <a:r>
+              <a:rPr lang="en-US" altLang="ja-JP" b="0" i="0" dirty="0">
+                <a:solidFill>
+                  <a:srgbClr val="333333"/>
+                </a:solidFill>
+                <a:effectLst/>
+                <a:latin typeface="-apple-system"/>
+              </a:rPr>
+              <a:t>			</a:t>
+            </a:r>
+            <a:r>
+              <a:rPr lang="ja-JP" altLang="en-US" b="0" i="0" dirty="0">
+                <a:solidFill>
+                  <a:srgbClr val="333333"/>
+                </a:solidFill>
+                <a:effectLst/>
+                <a:latin typeface="-apple-system"/>
+              </a:rPr>
+              <a:t>を自動的に切り替える。</a:t>
+            </a:r>
+            <a:endParaRPr lang="en-US" altLang="ja-JP" b="0" i="0" dirty="0">
+              <a:solidFill>
+                <a:srgbClr val="333333"/>
+              </a:solidFill>
+              <a:effectLst/>
+              <a:latin typeface="-apple-system"/>
+            </a:endParaRPr>
           </a:p>
           <a:p>
             <a:pPr marL="0" indent="0">
               <a:buNone/>
             </a:pPr>
             <a:r>
-              <a:rPr lang="ja-JP" altLang="en-US" dirty="0"/>
-              <a:t>ポート：</a:t>
-            </a:r>
-            <a:r>
-              <a:rPr lang="en-US" altLang="ja-JP" dirty="0"/>
-              <a:t>IT</a:t>
-            </a:r>
-            <a:r>
-              <a:rPr lang="ja-JP" altLang="en-US" dirty="0"/>
-              <a:t>においては主に挿入口</a:t>
-            </a:r>
-            <a:endParaRPr lang="en-US" altLang="ja-JP" dirty="0"/>
+              <a:rPr lang="ja-JP" altLang="en-US" dirty="0">
+                <a:solidFill>
+                  <a:srgbClr val="333333"/>
+                </a:solidFill>
+                <a:latin typeface="-apple-system"/>
+              </a:rPr>
+              <a:t>イーサネット：</a:t>
+            </a:r>
+            <a:r>
+              <a:rPr lang="en-US" altLang="ja-JP" dirty="0">
+                <a:solidFill>
+                  <a:srgbClr val="333333"/>
+                </a:solidFill>
+                <a:latin typeface="-apple-system"/>
+              </a:rPr>
+              <a:t>IEEE802.3</a:t>
+            </a:r>
+            <a:r>
+              <a:rPr lang="ja-JP" altLang="en-US" dirty="0">
+                <a:solidFill>
+                  <a:srgbClr val="333333"/>
+                </a:solidFill>
+                <a:latin typeface="-apple-system"/>
+              </a:rPr>
+              <a:t>と呼ばれる有線</a:t>
+            </a:r>
+            <a:r>
+              <a:rPr lang="en-US" altLang="ja-JP" dirty="0">
+                <a:solidFill>
+                  <a:srgbClr val="333333"/>
+                </a:solidFill>
+                <a:latin typeface="-apple-system"/>
+              </a:rPr>
+              <a:t>LAN</a:t>
+            </a:r>
+            <a:r>
+              <a:rPr lang="ja-JP" altLang="en-US" dirty="0">
+                <a:solidFill>
+                  <a:srgbClr val="333333"/>
+                </a:solidFill>
+                <a:latin typeface="-apple-system"/>
+              </a:rPr>
+              <a:t>の標準規格群。</a:t>
+            </a:r>
+            <a:endParaRPr lang="en-US" altLang="ja-JP" dirty="0">
+              <a:solidFill>
+                <a:srgbClr val="333333"/>
+              </a:solidFill>
+              <a:latin typeface="-apple-system"/>
+            </a:endParaRPr>
+          </a:p>
+          <a:p>
+            <a:pPr marL="0" indent="0">
+              <a:buNone/>
+            </a:pPr>
+            <a:r>
+              <a:rPr lang="en-US" altLang="ja-JP" b="0" i="0" dirty="0">
+                <a:solidFill>
+                  <a:srgbClr val="333333"/>
+                </a:solidFill>
+                <a:effectLst/>
+                <a:latin typeface="-apple-system"/>
+              </a:rPr>
+              <a:t>IEEE</a:t>
+            </a:r>
+            <a:r>
+              <a:rPr lang="ja-JP" altLang="en-US" b="0" i="0" dirty="0">
+                <a:solidFill>
+                  <a:srgbClr val="333333"/>
+                </a:solidFill>
+                <a:effectLst/>
+                <a:latin typeface="-apple-system"/>
+              </a:rPr>
+              <a:t>：</a:t>
+            </a:r>
+            <a:r>
+              <a:rPr lang="en-US" altLang="ja-JP" dirty="0">
+                <a:solidFill>
+                  <a:srgbClr val="111111"/>
+                </a:solidFill>
+                <a:latin typeface="Roboto" panose="02000000000000000000" pitchFamily="2" charset="0"/>
+              </a:rPr>
+              <a:t>(</a:t>
+            </a:r>
+            <a:r>
+              <a:rPr lang="ja-JP" altLang="en-US" b="0" i="0" dirty="0">
+                <a:solidFill>
+                  <a:srgbClr val="111111"/>
+                </a:solidFill>
+                <a:effectLst/>
+                <a:latin typeface="Roboto" panose="02000000000000000000" pitchFamily="2" charset="0"/>
+              </a:rPr>
+              <a:t>アイ・トリプル・イー</a:t>
+            </a:r>
+            <a:br>
+              <a:rPr lang="en-US" altLang="ja-JP" dirty="0">
+                <a:solidFill>
+                  <a:srgbClr val="111111"/>
+                </a:solidFill>
+                <a:latin typeface="Roboto" panose="02000000000000000000" pitchFamily="2" charset="0"/>
+              </a:rPr>
+            </a:br>
+            <a:r>
+              <a:rPr lang="en-US" altLang="ja-JP" dirty="0">
+                <a:solidFill>
+                  <a:srgbClr val="111111"/>
+                </a:solidFill>
+                <a:latin typeface="Roboto" panose="02000000000000000000" pitchFamily="2" charset="0"/>
+              </a:rPr>
+              <a:t>	</a:t>
+            </a:r>
+            <a:r>
+              <a:rPr lang="en-US" altLang="ja-JP" b="0" i="0" dirty="0">
+                <a:solidFill>
+                  <a:srgbClr val="111111"/>
+                </a:solidFill>
+                <a:effectLst/>
+                <a:latin typeface="Roboto" panose="02000000000000000000" pitchFamily="2" charset="0"/>
+              </a:rPr>
+              <a:t>Institute of Electrical and Electronics Engineers</a:t>
+            </a:r>
+            <a:r>
+              <a:rPr lang="en-US" altLang="ja-JP" dirty="0">
+                <a:solidFill>
+                  <a:srgbClr val="111111"/>
+                </a:solidFill>
+                <a:latin typeface="Roboto" panose="02000000000000000000" pitchFamily="2" charset="0"/>
+              </a:rPr>
+              <a:t>)</a:t>
+            </a:r>
+          </a:p>
+          <a:p>
+            <a:pPr marL="0" indent="0">
+              <a:buNone/>
+            </a:pPr>
+            <a:r>
+              <a:rPr lang="ja-JP" altLang="en-US" b="0" i="0" dirty="0">
+                <a:solidFill>
+                  <a:srgbClr val="111111"/>
+                </a:solidFill>
+                <a:effectLst/>
+                <a:latin typeface="Roboto" panose="02000000000000000000" pitchFamily="2" charset="0"/>
+              </a:rPr>
+              <a:t>アメリカ合衆国に本部を置く</a:t>
+            </a:r>
+            <a:br>
+              <a:rPr lang="en-US" altLang="ja-JP" dirty="0">
+                <a:solidFill>
+                  <a:srgbClr val="111111"/>
+                </a:solidFill>
+                <a:latin typeface="Roboto" panose="02000000000000000000" pitchFamily="2" charset="0"/>
+              </a:rPr>
+            </a:br>
+            <a:r>
+              <a:rPr lang="ja-JP" altLang="en-US" b="0" i="0" dirty="0">
+                <a:solidFill>
+                  <a:srgbClr val="111111"/>
+                </a:solidFill>
+                <a:effectLst/>
+                <a:latin typeface="Roboto" panose="02000000000000000000" pitchFamily="2" charset="0"/>
+              </a:rPr>
+              <a:t>電気・情報工学分野の学術研究団体（学会）、技術標準化機関。</a:t>
+            </a:r>
+            <a:endParaRPr lang="en-US" altLang="ja-JP" b="0" i="0" dirty="0">
+              <a:solidFill>
+                <a:srgbClr val="111111"/>
+              </a:solidFill>
+              <a:effectLst/>
+              <a:latin typeface="Roboto" panose="02000000000000000000" pitchFamily="2" charset="0"/>
+            </a:endParaRPr>
           </a:p>
           <a:p>
             <a:pPr marL="0" indent="0">
@@ -10496,7 +11375,7 @@
     </p:spTree>
     <p:extLst>
       <p:ext uri="{BB962C8B-B14F-4D97-AF65-F5344CB8AC3E}">
-        <p14:creationId xmlns:p14="http://schemas.microsoft.com/office/powerpoint/2010/main" val="201832319"/>
+        <p14:creationId xmlns:p14="http://schemas.microsoft.com/office/powerpoint/2010/main" val="4255884357"/>
       </p:ext>
     </p:extLst>
   </p:cSld>
@@ -10528,415 +11407,6 @@
           <p:cNvPr id="2" name="タイトル 1">
             <a:extLst>
               <a:ext uri="{FF2B5EF4-FFF2-40B4-BE49-F238E27FC236}">
-                <a16:creationId xmlns:a16="http://schemas.microsoft.com/office/drawing/2014/main" id="{ACEB6186-722F-3F52-161C-DED1E3B37FB6}"/>
-              </a:ext>
-            </a:extLst>
-          </p:cNvPr>
-          <p:cNvSpPr>
-            <a:spLocks noGrp="1"/>
-          </p:cNvSpPr>
-          <p:nvPr>
-            <p:ph type="title"/>
-          </p:nvPr>
-        </p:nvSpPr>
-        <p:spPr>
-          <a:xfrm>
-            <a:off x="514349" y="378617"/>
-            <a:ext cx="10515600" cy="874714"/>
-          </a:xfrm>
-        </p:spPr>
-        <p:txBody>
-          <a:bodyPr/>
-          <a:lstStyle/>
-          <a:p>
-            <a:r>
-              <a:rPr kumimoji="1" lang="ja-JP" altLang="en-US" dirty="0"/>
-              <a:t>用語詳細２</a:t>
-            </a:r>
-          </a:p>
-        </p:txBody>
-      </p:sp>
-      <p:sp>
-        <p:nvSpPr>
-          <p:cNvPr id="3" name="コンテンツ プレースホルダー 2">
-            <a:extLst>
-              <a:ext uri="{FF2B5EF4-FFF2-40B4-BE49-F238E27FC236}">
-                <a16:creationId xmlns:a16="http://schemas.microsoft.com/office/drawing/2014/main" id="{9B202E33-B4B9-D21D-E7DD-6880BFCB5059}"/>
-              </a:ext>
-            </a:extLst>
-          </p:cNvPr>
-          <p:cNvSpPr>
-            <a:spLocks noGrp="1"/>
-          </p:cNvSpPr>
-          <p:nvPr>
-            <p:ph idx="1"/>
-          </p:nvPr>
-        </p:nvSpPr>
-        <p:spPr>
-          <a:xfrm>
-            <a:off x="514349" y="1101777"/>
-            <a:ext cx="11545237" cy="5973580"/>
-          </a:xfrm>
-        </p:spPr>
-        <p:txBody>
-          <a:bodyPr>
-            <a:normAutofit/>
-          </a:bodyPr>
-          <a:lstStyle/>
-          <a:p>
-            <a:pPr marL="0" indent="0">
-              <a:buNone/>
-            </a:pPr>
-            <a:r>
-              <a:rPr lang="en-US" altLang="ja-JP" dirty="0"/>
-              <a:t>MDI </a:t>
-            </a:r>
-            <a:r>
-              <a:rPr lang="ja-JP" altLang="en-US" dirty="0"/>
-              <a:t>：</a:t>
-            </a:r>
-            <a:r>
-              <a:rPr lang="en-US" altLang="ja-JP" dirty="0"/>
-              <a:t>Medium Dependent Interface(</a:t>
-            </a:r>
-            <a:r>
-              <a:rPr lang="ja-JP" altLang="en-US" b="0" i="0" dirty="0">
-                <a:solidFill>
-                  <a:srgbClr val="111111"/>
-                </a:solidFill>
-                <a:effectLst/>
-                <a:latin typeface="Roboto" panose="02000000000000000000" pitchFamily="2" charset="0"/>
-              </a:rPr>
-              <a:t>伝送媒体依存インタフェース</a:t>
-            </a:r>
-            <a:endParaRPr lang="en-US" altLang="ja-JP" b="0" i="0" dirty="0">
-              <a:solidFill>
-                <a:srgbClr val="333333"/>
-              </a:solidFill>
-              <a:effectLst/>
-              <a:latin typeface="-apple-system"/>
-            </a:endParaRPr>
-          </a:p>
-          <a:p>
-            <a:pPr marL="0" indent="0">
-              <a:buNone/>
-            </a:pPr>
-            <a:r>
-              <a:rPr lang="en-US" altLang="ja-JP" b="0" i="0" dirty="0">
-                <a:solidFill>
-                  <a:srgbClr val="333333"/>
-                </a:solidFill>
-                <a:effectLst/>
-                <a:latin typeface="-apple-system"/>
-              </a:rPr>
-              <a:t>Auto MDI/MDI-X</a:t>
-            </a:r>
-            <a:r>
-              <a:rPr lang="ja-JP" altLang="en-US" b="0" i="0" dirty="0">
-                <a:solidFill>
-                  <a:srgbClr val="333333"/>
-                </a:solidFill>
-                <a:effectLst/>
-                <a:latin typeface="-apple-system"/>
-              </a:rPr>
-              <a:t>：対応しているインタフェースは</a:t>
-            </a:r>
-            <a:r>
-              <a:rPr lang="en-US" altLang="ja-JP" b="0" i="0" dirty="0">
-                <a:solidFill>
-                  <a:srgbClr val="333333"/>
-                </a:solidFill>
-                <a:effectLst/>
-                <a:latin typeface="-apple-system"/>
-              </a:rPr>
-              <a:t>MDI</a:t>
-            </a:r>
-            <a:r>
-              <a:rPr lang="ja-JP" altLang="en-US" b="0" i="0" dirty="0">
-                <a:solidFill>
-                  <a:srgbClr val="333333"/>
-                </a:solidFill>
-                <a:effectLst/>
-                <a:latin typeface="-apple-system"/>
-              </a:rPr>
-              <a:t>か</a:t>
-            </a:r>
-            <a:r>
-              <a:rPr lang="en-US" altLang="ja-JP" b="0" i="0" dirty="0">
-                <a:solidFill>
-                  <a:srgbClr val="333333"/>
-                </a:solidFill>
-                <a:effectLst/>
-                <a:latin typeface="-apple-system"/>
-              </a:rPr>
-              <a:t>MDI-X</a:t>
-            </a:r>
-            <a:r>
-              <a:rPr lang="ja-JP" altLang="en-US" b="0" i="0" dirty="0">
-                <a:solidFill>
-                  <a:srgbClr val="333333"/>
-                </a:solidFill>
-                <a:effectLst/>
-                <a:latin typeface="-apple-system"/>
-              </a:rPr>
-              <a:t>か</a:t>
-            </a:r>
-            <a:br>
-              <a:rPr lang="en-US" altLang="ja-JP" b="0" i="0" dirty="0">
-                <a:solidFill>
-                  <a:srgbClr val="333333"/>
-                </a:solidFill>
-                <a:effectLst/>
-                <a:latin typeface="-apple-system"/>
-              </a:rPr>
-            </a:br>
-            <a:r>
-              <a:rPr lang="en-US" altLang="ja-JP" b="0" i="0" dirty="0">
-                <a:solidFill>
-                  <a:srgbClr val="333333"/>
-                </a:solidFill>
-                <a:effectLst/>
-                <a:latin typeface="-apple-system"/>
-              </a:rPr>
-              <a:t>			</a:t>
-            </a:r>
-            <a:r>
-              <a:rPr lang="ja-JP" altLang="en-US" b="0" i="0" dirty="0">
-                <a:solidFill>
-                  <a:srgbClr val="333333"/>
-                </a:solidFill>
-                <a:effectLst/>
-                <a:latin typeface="-apple-system"/>
-              </a:rPr>
-              <a:t>を自動的に切り替える。</a:t>
-            </a:r>
-            <a:endParaRPr lang="en-US" altLang="ja-JP" b="0" i="0" dirty="0">
-              <a:solidFill>
-                <a:srgbClr val="333333"/>
-              </a:solidFill>
-              <a:effectLst/>
-              <a:latin typeface="-apple-system"/>
-            </a:endParaRPr>
-          </a:p>
-          <a:p>
-            <a:pPr marL="0" indent="0">
-              <a:buNone/>
-            </a:pPr>
-            <a:r>
-              <a:rPr lang="ja-JP" altLang="en-US" dirty="0">
-                <a:solidFill>
-                  <a:srgbClr val="333333"/>
-                </a:solidFill>
-                <a:latin typeface="-apple-system"/>
-              </a:rPr>
-              <a:t>イーサネット：</a:t>
-            </a:r>
-            <a:r>
-              <a:rPr lang="en-US" altLang="ja-JP" dirty="0">
-                <a:solidFill>
-                  <a:srgbClr val="333333"/>
-                </a:solidFill>
-                <a:latin typeface="-apple-system"/>
-              </a:rPr>
-              <a:t>IEEE802.3</a:t>
-            </a:r>
-            <a:r>
-              <a:rPr lang="ja-JP" altLang="en-US" dirty="0">
-                <a:solidFill>
-                  <a:srgbClr val="333333"/>
-                </a:solidFill>
-                <a:latin typeface="-apple-system"/>
-              </a:rPr>
-              <a:t>と呼ばれる有線</a:t>
-            </a:r>
-            <a:r>
-              <a:rPr lang="en-US" altLang="ja-JP" dirty="0">
-                <a:solidFill>
-                  <a:srgbClr val="333333"/>
-                </a:solidFill>
-                <a:latin typeface="-apple-system"/>
-              </a:rPr>
-              <a:t>LAN</a:t>
-            </a:r>
-            <a:r>
-              <a:rPr lang="ja-JP" altLang="en-US" dirty="0">
-                <a:solidFill>
-                  <a:srgbClr val="333333"/>
-                </a:solidFill>
-                <a:latin typeface="-apple-system"/>
-              </a:rPr>
-              <a:t>の標準規格群。</a:t>
-            </a:r>
-            <a:endParaRPr lang="en-US" altLang="ja-JP" dirty="0">
-              <a:solidFill>
-                <a:srgbClr val="333333"/>
-              </a:solidFill>
-              <a:latin typeface="-apple-system"/>
-            </a:endParaRPr>
-          </a:p>
-          <a:p>
-            <a:pPr marL="0" indent="0">
-              <a:buNone/>
-            </a:pPr>
-            <a:r>
-              <a:rPr lang="en-US" altLang="ja-JP" b="0" i="0" dirty="0">
-                <a:solidFill>
-                  <a:srgbClr val="333333"/>
-                </a:solidFill>
-                <a:effectLst/>
-                <a:latin typeface="-apple-system"/>
-              </a:rPr>
-              <a:t>IEEE</a:t>
-            </a:r>
-            <a:r>
-              <a:rPr lang="ja-JP" altLang="en-US" b="0" i="0" dirty="0">
-                <a:solidFill>
-                  <a:srgbClr val="333333"/>
-                </a:solidFill>
-                <a:effectLst/>
-                <a:latin typeface="-apple-system"/>
-              </a:rPr>
-              <a:t>：</a:t>
-            </a:r>
-            <a:r>
-              <a:rPr lang="en-US" altLang="ja-JP" dirty="0">
-                <a:solidFill>
-                  <a:srgbClr val="111111"/>
-                </a:solidFill>
-                <a:latin typeface="Roboto" panose="02000000000000000000" pitchFamily="2" charset="0"/>
-              </a:rPr>
-              <a:t>(</a:t>
-            </a:r>
-            <a:r>
-              <a:rPr lang="ja-JP" altLang="en-US" b="0" i="0" dirty="0">
-                <a:solidFill>
-                  <a:srgbClr val="111111"/>
-                </a:solidFill>
-                <a:effectLst/>
-                <a:latin typeface="Roboto" panose="02000000000000000000" pitchFamily="2" charset="0"/>
-              </a:rPr>
-              <a:t>アイ・トリプル・イー</a:t>
-            </a:r>
-            <a:br>
-              <a:rPr lang="en-US" altLang="ja-JP" dirty="0">
-                <a:solidFill>
-                  <a:srgbClr val="111111"/>
-                </a:solidFill>
-                <a:latin typeface="Roboto" panose="02000000000000000000" pitchFamily="2" charset="0"/>
-              </a:rPr>
-            </a:br>
-            <a:r>
-              <a:rPr lang="en-US" altLang="ja-JP" dirty="0">
-                <a:solidFill>
-                  <a:srgbClr val="111111"/>
-                </a:solidFill>
-                <a:latin typeface="Roboto" panose="02000000000000000000" pitchFamily="2" charset="0"/>
-              </a:rPr>
-              <a:t>	</a:t>
-            </a:r>
-            <a:r>
-              <a:rPr lang="en-US" altLang="ja-JP" b="0" i="0" dirty="0">
-                <a:solidFill>
-                  <a:srgbClr val="111111"/>
-                </a:solidFill>
-                <a:effectLst/>
-                <a:latin typeface="Roboto" panose="02000000000000000000" pitchFamily="2" charset="0"/>
-              </a:rPr>
-              <a:t>Institute of Electrical and Electronics Engineers</a:t>
-            </a:r>
-            <a:r>
-              <a:rPr lang="en-US" altLang="ja-JP" dirty="0">
-                <a:solidFill>
-                  <a:srgbClr val="111111"/>
-                </a:solidFill>
-                <a:latin typeface="Roboto" panose="02000000000000000000" pitchFamily="2" charset="0"/>
-              </a:rPr>
-              <a:t>)</a:t>
-            </a:r>
-          </a:p>
-          <a:p>
-            <a:pPr marL="0" indent="0">
-              <a:buNone/>
-            </a:pPr>
-            <a:r>
-              <a:rPr lang="ja-JP" altLang="en-US" b="0" i="0" dirty="0">
-                <a:solidFill>
-                  <a:srgbClr val="111111"/>
-                </a:solidFill>
-                <a:effectLst/>
-                <a:latin typeface="Roboto" panose="02000000000000000000" pitchFamily="2" charset="0"/>
-              </a:rPr>
-              <a:t>アメリカ合衆国に本部を置く</a:t>
-            </a:r>
-            <a:br>
-              <a:rPr lang="en-US" altLang="ja-JP" dirty="0">
-                <a:solidFill>
-                  <a:srgbClr val="111111"/>
-                </a:solidFill>
-                <a:latin typeface="Roboto" panose="02000000000000000000" pitchFamily="2" charset="0"/>
-              </a:rPr>
-            </a:br>
-            <a:r>
-              <a:rPr lang="ja-JP" altLang="en-US" b="0" i="0" dirty="0">
-                <a:solidFill>
-                  <a:srgbClr val="111111"/>
-                </a:solidFill>
-                <a:effectLst/>
-                <a:latin typeface="Roboto" panose="02000000000000000000" pitchFamily="2" charset="0"/>
-              </a:rPr>
-              <a:t>電気・情報工学分野の学術研究団体（学会）、技術標準化機関。</a:t>
-            </a:r>
-            <a:endParaRPr lang="en-US" altLang="ja-JP" b="0" i="0" dirty="0">
-              <a:solidFill>
-                <a:srgbClr val="111111"/>
-              </a:solidFill>
-              <a:effectLst/>
-              <a:latin typeface="Roboto" panose="02000000000000000000" pitchFamily="2" charset="0"/>
-            </a:endParaRPr>
-          </a:p>
-          <a:p>
-            <a:pPr marL="0" indent="0">
-              <a:buNone/>
-            </a:pPr>
-            <a:endParaRPr kumimoji="1" lang="en-US" altLang="ja-JP" dirty="0"/>
-          </a:p>
-        </p:txBody>
-      </p:sp>
-    </p:spTree>
-    <p:extLst>
-      <p:ext uri="{BB962C8B-B14F-4D97-AF65-F5344CB8AC3E}">
-        <p14:creationId xmlns:p14="http://schemas.microsoft.com/office/powerpoint/2010/main" val="4255884357"/>
-      </p:ext>
-    </p:extLst>
-  </p:cSld>
-  <p:clrMapOvr>
-    <a:masterClrMapping/>
-  </p:clrMapOvr>
-</p:sld>
-</file>
-
-<file path=ppt/slides/slide8.xml><?xml version="1.0" encoding="utf-8"?>
-<p:sld xmlns:a="http://schemas.openxmlformats.org/drawingml/2006/main" xmlns:r="http://schemas.openxmlformats.org/officeDocument/2006/relationships" xmlns:p="http://schemas.openxmlformats.org/presentationml/2006/main">
-  <p:cSld>
-    <p:spTree>
-      <p:nvGrpSpPr>
-        <p:cNvPr id="1" name=""/>
-        <p:cNvGrpSpPr/>
-        <p:nvPr/>
-      </p:nvGrpSpPr>
-      <p:grpSpPr>
-        <a:xfrm>
-          <a:off x="0" y="0"/>
-          <a:ext cx="0" cy="0"/>
-          <a:chOff x="0" y="0"/>
-          <a:chExt cx="0" cy="0"/>
-        </a:xfrm>
-      </p:grpSpPr>
-      <p:sp>
-        <p:nvSpPr>
-          <p:cNvPr id="2" name="タイトル 1">
-            <a:extLst>
-              <a:ext uri="{FF2B5EF4-FFF2-40B4-BE49-F238E27FC236}">
                 <a16:creationId xmlns:a16="http://schemas.microsoft.com/office/drawing/2014/main" id="{F3451125-F544-4C7E-9A53-049ACA18594C}"/>
               </a:ext>
             </a:extLst>
@@ -10995,7 +11465,7 @@
 </p:sld>
 </file>
 
-<file path=ppt/slides/slide9.xml><?xml version="1.0" encoding="utf-8"?>
+<file path=ppt/slides/slide8.xml><?xml version="1.0" encoding="utf-8"?>
 <p:sld xmlns:a="http://schemas.openxmlformats.org/drawingml/2006/main" xmlns:r="http://schemas.openxmlformats.org/officeDocument/2006/relationships" xmlns:p="http://schemas.openxmlformats.org/presentationml/2006/main">
   <p:cSld>
     <p:spTree>

--- a/LAN_クロス_ストレート.pptx
+++ b/LAN_クロス_ストレート.pptx
@@ -5,7 +5,7 @@
     <p:sldMasterId id="2147483648" r:id="rId1"/>
   </p:sldMasterIdLst>
   <p:notesMasterIdLst>
-    <p:notesMasterId r:id="rId10"/>
+    <p:notesMasterId r:id="rId11"/>
   </p:notesMasterIdLst>
   <p:sldIdLst>
     <p:sldId id="263" r:id="rId2"/>
@@ -16,6 +16,7 @@
     <p:sldId id="268" r:id="rId7"/>
     <p:sldId id="264" r:id="rId8"/>
     <p:sldId id="265" r:id="rId9"/>
+    <p:sldId id="269" r:id="rId10"/>
   </p:sldIdLst>
   <p:sldSz cx="12192000" cy="6858000"/>
   <p:notesSz cx="6858000" cy="9144000"/>
@@ -1691,6 +1692,90 @@
     <p:extLst>
       <p:ext uri="{BB962C8B-B14F-4D97-AF65-F5344CB8AC3E}">
         <p14:creationId xmlns:p14="http://schemas.microsoft.com/office/powerpoint/2010/main" val="4014985139"/>
+      </p:ext>
+    </p:extLst>
+  </p:cSld>
+  <p:clrMapOvr>
+    <a:masterClrMapping/>
+  </p:clrMapOvr>
+</p:notes>
+</file>
+
+<file path=ppt/notesSlides/notesSlide7.xml><?xml version="1.0" encoding="utf-8"?>
+<p:notes xmlns:a="http://schemas.openxmlformats.org/drawingml/2006/main" xmlns:r="http://schemas.openxmlformats.org/officeDocument/2006/relationships" xmlns:p="http://schemas.openxmlformats.org/presentationml/2006/main">
+  <p:cSld>
+    <p:spTree>
+      <p:nvGrpSpPr>
+        <p:cNvPr id="1" name=""/>
+        <p:cNvGrpSpPr/>
+        <p:nvPr/>
+      </p:nvGrpSpPr>
+      <p:grpSpPr>
+        <a:xfrm>
+          <a:off x="0" y="0"/>
+          <a:ext cx="0" cy="0"/>
+          <a:chOff x="0" y="0"/>
+          <a:chExt cx="0" cy="0"/>
+        </a:xfrm>
+      </p:grpSpPr>
+      <p:sp>
+        <p:nvSpPr>
+          <p:cNvPr id="2" name="スライド イメージ プレースホルダー 1"/>
+          <p:cNvSpPr>
+            <a:spLocks noGrp="1" noRot="1" noChangeAspect="1"/>
+          </p:cNvSpPr>
+          <p:nvPr>
+            <p:ph type="sldImg"/>
+          </p:nvPr>
+        </p:nvSpPr>
+        <p:spPr/>
+      </p:sp>
+      <p:sp>
+        <p:nvSpPr>
+          <p:cNvPr id="3" name="ノート プレースホルダー 2"/>
+          <p:cNvSpPr>
+            <a:spLocks noGrp="1"/>
+          </p:cNvSpPr>
+          <p:nvPr>
+            <p:ph type="body" idx="1"/>
+          </p:nvPr>
+        </p:nvSpPr>
+        <p:spPr/>
+        <p:txBody>
+          <a:bodyPr/>
+          <a:lstStyle/>
+          <a:p>
+            <a:endParaRPr kumimoji="1" lang="ja-JP" altLang="en-US" dirty="0"/>
+          </a:p>
+        </p:txBody>
+      </p:sp>
+      <p:sp>
+        <p:nvSpPr>
+          <p:cNvPr id="4" name="スライド番号プレースホルダー 3"/>
+          <p:cNvSpPr>
+            <a:spLocks noGrp="1"/>
+          </p:cNvSpPr>
+          <p:nvPr>
+            <p:ph type="sldNum" sz="quarter" idx="5"/>
+          </p:nvPr>
+        </p:nvSpPr>
+        <p:spPr/>
+        <p:txBody>
+          <a:bodyPr/>
+          <a:lstStyle/>
+          <a:p>
+            <a:fld id="{C16F3310-22CA-492E-9943-CDED348D3B6F}" type="slidenum">
+              <a:rPr kumimoji="1" lang="ja-JP" altLang="en-US" smtClean="0"/>
+              <a:t>9</a:t>
+            </a:fld>
+            <a:endParaRPr kumimoji="1" lang="ja-JP" altLang="en-US"/>
+          </a:p>
+        </p:txBody>
+      </p:sp>
+    </p:spTree>
+    <p:extLst>
+      <p:ext uri="{BB962C8B-B14F-4D97-AF65-F5344CB8AC3E}">
+        <p14:creationId xmlns:p14="http://schemas.microsoft.com/office/powerpoint/2010/main" val="2969357193"/>
       </p:ext>
     </p:extLst>
   </p:cSld>
@@ -12231,6 +12316,277 @@
     <p:extLst>
       <p:ext uri="{BB962C8B-B14F-4D97-AF65-F5344CB8AC3E}">
         <p14:creationId xmlns:p14="http://schemas.microsoft.com/office/powerpoint/2010/main" val="2824705723"/>
+      </p:ext>
+    </p:extLst>
+  </p:cSld>
+  <p:clrMapOvr>
+    <a:masterClrMapping/>
+  </p:clrMapOvr>
+</p:sld>
+</file>
+
+<file path=ppt/slides/slide9.xml><?xml version="1.0" encoding="utf-8"?>
+<p:sld xmlns:a="http://schemas.openxmlformats.org/drawingml/2006/main" xmlns:r="http://schemas.openxmlformats.org/officeDocument/2006/relationships" xmlns:p="http://schemas.openxmlformats.org/presentationml/2006/main">
+  <p:cSld>
+    <p:spTree>
+      <p:nvGrpSpPr>
+        <p:cNvPr id="1" name=""/>
+        <p:cNvGrpSpPr/>
+        <p:nvPr/>
+      </p:nvGrpSpPr>
+      <p:grpSpPr>
+        <a:xfrm>
+          <a:off x="0" y="0"/>
+          <a:ext cx="0" cy="0"/>
+          <a:chOff x="0" y="0"/>
+          <a:chExt cx="0" cy="0"/>
+        </a:xfrm>
+      </p:grpSpPr>
+      <p:sp>
+        <p:nvSpPr>
+          <p:cNvPr id="2" name="タイトル 1">
+            <a:extLst>
+              <a:ext uri="{FF2B5EF4-FFF2-40B4-BE49-F238E27FC236}">
+                <a16:creationId xmlns:a16="http://schemas.microsoft.com/office/drawing/2014/main" id="{FDBC650A-32B7-9BF0-0B98-278B643BA14D}"/>
+              </a:ext>
+            </a:extLst>
+          </p:cNvPr>
+          <p:cNvSpPr>
+            <a:spLocks noGrp="1"/>
+          </p:cNvSpPr>
+          <p:nvPr>
+            <p:ph type="title"/>
+          </p:nvPr>
+        </p:nvSpPr>
+        <p:spPr/>
+        <p:txBody>
+          <a:bodyPr/>
+          <a:lstStyle/>
+          <a:p>
+            <a:r>
+              <a:rPr kumimoji="1" lang="ja-JP" altLang="en-US" dirty="0"/>
+              <a:t>参考サイト</a:t>
+            </a:r>
+          </a:p>
+        </p:txBody>
+      </p:sp>
+      <p:sp>
+        <p:nvSpPr>
+          <p:cNvPr id="3" name="コンテンツ プレースホルダー 2">
+            <a:extLst>
+              <a:ext uri="{FF2B5EF4-FFF2-40B4-BE49-F238E27FC236}">
+                <a16:creationId xmlns:a16="http://schemas.microsoft.com/office/drawing/2014/main" id="{332A40F7-74A1-EF18-E2EB-EAE02870324A}"/>
+              </a:ext>
+            </a:extLst>
+          </p:cNvPr>
+          <p:cNvSpPr>
+            <a:spLocks noGrp="1"/>
+          </p:cNvSpPr>
+          <p:nvPr>
+            <p:ph idx="1"/>
+          </p:nvPr>
+        </p:nvSpPr>
+        <p:spPr>
+          <a:xfrm>
+            <a:off x="178130" y="1825625"/>
+            <a:ext cx="12013870" cy="4938430"/>
+          </a:xfrm>
+        </p:spPr>
+        <p:txBody>
+          <a:bodyPr>
+            <a:normAutofit fontScale="85000" lnSpcReduction="20000"/>
+          </a:bodyPr>
+          <a:lstStyle/>
+          <a:p>
+            <a:pPr marL="0" indent="0">
+              <a:buNone/>
+            </a:pPr>
+            <a:endParaRPr kumimoji="1" lang="en-US" altLang="ja-JP" dirty="0"/>
+          </a:p>
+          <a:p>
+            <a:r>
+              <a:rPr lang="en-US" altLang="ja-JP" dirty="0">
+                <a:hlinkClick r:id="rId3"/>
+              </a:rPr>
+              <a:t>Ethernet LAN - </a:t>
+            </a:r>
+            <a:r>
+              <a:rPr lang="ja-JP" altLang="en-US" dirty="0">
+                <a:hlinkClick r:id="rId3"/>
+              </a:rPr>
+              <a:t>ストレートケーブルとクロスケーブル</a:t>
+            </a:r>
+            <a:endParaRPr lang="en-US" altLang="ja-JP" dirty="0"/>
+          </a:p>
+          <a:p>
+            <a:r>
+              <a:rPr kumimoji="1" lang="en-US" altLang="ja-JP" dirty="0"/>
+              <a:t>https://www.infraexpert.com/study/ethernet3.html</a:t>
+            </a:r>
+          </a:p>
+          <a:p>
+            <a:pPr marL="0" indent="0">
+              <a:buNone/>
+            </a:pPr>
+            <a:endParaRPr kumimoji="1" lang="ja-JP" altLang="en-US" dirty="0"/>
+          </a:p>
+          <a:p>
+            <a:r>
+              <a:rPr lang="en-US" altLang="ja-JP" dirty="0">
+                <a:hlinkClick r:id="rId4"/>
+              </a:rPr>
+              <a:t>LAN </a:t>
+            </a:r>
+            <a:r>
+              <a:rPr lang="ja-JP" altLang="en-US" dirty="0">
+                <a:hlinkClick r:id="rId4"/>
+              </a:rPr>
+              <a:t>ポートの </a:t>
+            </a:r>
+            <a:r>
+              <a:rPr lang="en-US" altLang="ja-JP" dirty="0">
+                <a:hlinkClick r:id="rId4"/>
+              </a:rPr>
+              <a:t>MDI </a:t>
+            </a:r>
+            <a:r>
+              <a:rPr lang="ja-JP" altLang="en-US" dirty="0">
+                <a:hlinkClick r:id="rId4"/>
+              </a:rPr>
+              <a:t>と </a:t>
+            </a:r>
+            <a:r>
+              <a:rPr lang="en-US" altLang="ja-JP" dirty="0">
+                <a:hlinkClick r:id="rId4"/>
+              </a:rPr>
+              <a:t>MDI-X </a:t>
+            </a:r>
+            <a:r>
+              <a:rPr lang="ja-JP" altLang="en-US" dirty="0">
+                <a:hlinkClick r:id="rId4"/>
+              </a:rPr>
+              <a:t>の違い</a:t>
+            </a:r>
+            <a:endParaRPr lang="en-US" altLang="ja-JP" dirty="0"/>
+          </a:p>
+          <a:p>
+            <a:r>
+              <a:rPr lang="en-US" altLang="ja-JP" dirty="0"/>
+              <a:t>https://direct.pc-physics.com/network/mdi-mdix-difference.html</a:t>
+            </a:r>
+          </a:p>
+          <a:p>
+            <a:pPr marL="0" indent="0">
+              <a:buNone/>
+            </a:pPr>
+            <a:endParaRPr kumimoji="1" lang="ja-JP" altLang="en-US" dirty="0"/>
+          </a:p>
+          <a:p>
+            <a:r>
+              <a:rPr lang="ja-JP" altLang="en-US" dirty="0">
+                <a:hlinkClick r:id="rId5"/>
+              </a:rPr>
+              <a:t>「</a:t>
+            </a:r>
+            <a:r>
+              <a:rPr lang="en-US" altLang="ja-JP" dirty="0">
+                <a:hlinkClick r:id="rId5"/>
+              </a:rPr>
+              <a:t>MDI </a:t>
+            </a:r>
+            <a:r>
+              <a:rPr lang="ja-JP" altLang="en-US" dirty="0">
+                <a:hlinkClick r:id="rId5"/>
+              </a:rPr>
+              <a:t>と </a:t>
+            </a:r>
+            <a:r>
+              <a:rPr lang="en-US" altLang="ja-JP" dirty="0">
+                <a:hlinkClick r:id="rId5"/>
+              </a:rPr>
+              <a:t>MDI-X </a:t>
+            </a:r>
+            <a:r>
+              <a:rPr lang="ja-JP" altLang="en-US" dirty="0">
+                <a:hlinkClick r:id="rId5"/>
+              </a:rPr>
+              <a:t>の歴史（由来）」（</a:t>
+            </a:r>
+            <a:r>
+              <a:rPr lang="en-US" altLang="ja-JP" dirty="0">
+                <a:hlinkClick r:id="rId5"/>
+              </a:rPr>
+              <a:t>1</a:t>
+            </a:r>
+            <a:r>
+              <a:rPr lang="ja-JP" altLang="en-US" dirty="0">
+                <a:hlinkClick r:id="rId5"/>
+              </a:rPr>
+              <a:t>） </a:t>
+            </a:r>
+            <a:r>
+              <a:rPr lang="en-US" altLang="ja-JP" dirty="0">
+                <a:hlinkClick r:id="rId5"/>
+              </a:rPr>
+              <a:t>Master of IP Network </a:t>
+            </a:r>
+            <a:r>
+              <a:rPr lang="ja-JP" altLang="en-US" dirty="0">
+                <a:hlinkClick r:id="rId5"/>
+              </a:rPr>
+              <a:t>－ ＠</a:t>
+            </a:r>
+            <a:r>
+              <a:rPr lang="en-US" altLang="ja-JP" dirty="0">
+                <a:hlinkClick r:id="rId5"/>
+              </a:rPr>
+              <a:t>IT</a:t>
+            </a:r>
+            <a:endParaRPr lang="en-US" altLang="ja-JP" dirty="0"/>
+          </a:p>
+          <a:p>
+            <a:r>
+              <a:rPr lang="en-US" altLang="ja-JP" dirty="0"/>
+              <a:t>https://atmarkit.itmedia.co.jp/bbs/phpBB/viewtopic.php?topic=42858&amp;forum=11</a:t>
+            </a:r>
+          </a:p>
+          <a:p>
+            <a:endParaRPr kumimoji="1" lang="en-US" altLang="ja-JP" dirty="0"/>
+          </a:p>
+          <a:p>
+            <a:r>
+              <a:rPr lang="ja-JP" altLang="en-US" dirty="0"/>
+              <a:t>その他用語詳細</a:t>
+            </a:r>
+            <a:endParaRPr kumimoji="1" lang="ja-JP" altLang="en-US" dirty="0"/>
+          </a:p>
+          <a:p>
+            <a:r>
+              <a:rPr lang="en-US" altLang="ja-JP" dirty="0">
+                <a:hlinkClick r:id="rId6"/>
+              </a:rPr>
+              <a:t>IT</a:t>
+            </a:r>
+            <a:r>
+              <a:rPr lang="ja-JP" altLang="en-US" dirty="0">
+                <a:hlinkClick r:id="rId6"/>
+              </a:rPr>
+              <a:t>用語辞典 </a:t>
+            </a:r>
+            <a:r>
+              <a:rPr lang="en-US" altLang="ja-JP" dirty="0">
+                <a:hlinkClick r:id="rId6"/>
+              </a:rPr>
+              <a:t>e-Words</a:t>
+            </a:r>
+            <a:endParaRPr kumimoji="1" lang="ja-JP" altLang="en-US" dirty="0"/>
+          </a:p>
+        </p:txBody>
+      </p:sp>
+    </p:spTree>
+    <p:extLst>
+      <p:ext uri="{BB962C8B-B14F-4D97-AF65-F5344CB8AC3E}">
+        <p14:creationId xmlns:p14="http://schemas.microsoft.com/office/powerpoint/2010/main" val="3384919976"/>
       </p:ext>
     </p:extLst>
   </p:cSld>

--- a/LAN_クロス_ストレート.pptx
+++ b/LAN_クロス_ストレート.pptx
@@ -5,7 +5,7 @@
     <p:sldMasterId id="2147483648" r:id="rId1"/>
   </p:sldMasterIdLst>
   <p:notesMasterIdLst>
-    <p:notesMasterId r:id="rId11"/>
+    <p:notesMasterId r:id="rId12"/>
   </p:notesMasterIdLst>
   <p:sldIdLst>
     <p:sldId id="263" r:id="rId2"/>
@@ -17,6 +17,7 @@
     <p:sldId id="264" r:id="rId8"/>
     <p:sldId id="265" r:id="rId9"/>
     <p:sldId id="269" r:id="rId10"/>
+    <p:sldId id="270" r:id="rId11"/>
   </p:sldIdLst>
   <p:sldSz cx="12192000" cy="6858000"/>
   <p:notesSz cx="6858000" cy="9144000"/>
@@ -1383,6 +1384,156 @@
           <a:lstStyle/>
           <a:p>
             <a:r>
+              <a:rPr lang="en-US" altLang="ja-JP" sz="900" b="0" i="0" dirty="0">
+                <a:solidFill>
+                  <a:srgbClr val="333333"/>
+                </a:solidFill>
+                <a:effectLst/>
+                <a:latin typeface="-apple-system"/>
+              </a:rPr>
+              <a:t>Auto MDI/MDI-X</a:t>
+            </a:r>
+            <a:br>
+              <a:rPr lang="en-US" altLang="ja-JP" sz="900" b="0" i="0" dirty="0">
+                <a:solidFill>
+                  <a:srgbClr val="333333"/>
+                </a:solidFill>
+                <a:effectLst/>
+                <a:latin typeface="-apple-system"/>
+              </a:rPr>
+            </a:br>
+            <a:r>
+              <a:rPr lang="ja-JP" altLang="en-US" sz="900" dirty="0"/>
+              <a:t>ネットワークアダプタやネットワーク機器（</a:t>
+            </a:r>
+            <a:r>
+              <a:rPr lang="en-US" altLang="ja-JP" sz="900" dirty="0"/>
+              <a:t>PC</a:t>
+            </a:r>
+            <a:r>
+              <a:rPr lang="ja-JP" altLang="en-US" sz="900" dirty="0"/>
+              <a:t>、ルーター、スイッチ）のイーサネットポート</a:t>
+            </a:r>
+            <a:br>
+              <a:rPr lang="en-US" altLang="ja-JP" sz="900" dirty="0"/>
+            </a:br>
+            <a:r>
+              <a:rPr lang="ja-JP" altLang="en-US" sz="900" dirty="0"/>
+              <a:t>ネットワークデバイスが</a:t>
+            </a:r>
+            <a:r>
+              <a:rPr lang="ja-JP" altLang="en-US" sz="900" b="1" dirty="0"/>
+              <a:t>接続された相手デバイスのポートの種類（</a:t>
+            </a:r>
+            <a:r>
+              <a:rPr lang="en-US" altLang="ja-JP" sz="900" b="1" dirty="0"/>
+              <a:t>MDI</a:t>
+            </a:r>
+            <a:r>
+              <a:rPr lang="ja-JP" altLang="en-US" sz="900" b="1" dirty="0"/>
+              <a:t>か</a:t>
+            </a:r>
+            <a:r>
+              <a:rPr lang="en-US" altLang="ja-JP" sz="900" b="1" dirty="0"/>
+              <a:t>MDI-X</a:t>
+            </a:r>
+            <a:r>
+              <a:rPr lang="ja-JP" altLang="en-US" sz="900" b="1" dirty="0"/>
+              <a:t>か）を自動検出</a:t>
+            </a:r>
+            <a:r>
+              <a:rPr lang="ja-JP" altLang="en-US" sz="900" dirty="0"/>
+              <a:t>し、</a:t>
+            </a:r>
+            <a:r>
+              <a:rPr lang="ja-JP" altLang="en-US" sz="900" b="1" dirty="0"/>
+              <a:t>必要に応じてポートの信号線を自動的に切り替える機能</a:t>
+            </a:r>
+            <a:endParaRPr kumimoji="1" lang="ja-JP" altLang="en-US" sz="900" dirty="0"/>
+          </a:p>
+        </p:txBody>
+      </p:sp>
+      <p:sp>
+        <p:nvSpPr>
+          <p:cNvPr id="4" name="スライド番号プレースホルダー 3"/>
+          <p:cNvSpPr>
+            <a:spLocks noGrp="1"/>
+          </p:cNvSpPr>
+          <p:nvPr>
+            <p:ph type="sldNum" sz="quarter" idx="5"/>
+          </p:nvPr>
+        </p:nvSpPr>
+        <p:spPr/>
+        <p:txBody>
+          <a:bodyPr/>
+          <a:lstStyle/>
+          <a:p>
+            <a:fld id="{C16F3310-22CA-492E-9943-CDED348D3B6F}" type="slidenum">
+              <a:rPr kumimoji="1" lang="ja-JP" altLang="en-US" smtClean="0"/>
+              <a:t>6</a:t>
+            </a:fld>
+            <a:endParaRPr kumimoji="1" lang="ja-JP" altLang="en-US"/>
+          </a:p>
+        </p:txBody>
+      </p:sp>
+    </p:spTree>
+    <p:extLst>
+      <p:ext uri="{BB962C8B-B14F-4D97-AF65-F5344CB8AC3E}">
+        <p14:creationId xmlns:p14="http://schemas.microsoft.com/office/powerpoint/2010/main" val="1450068055"/>
+      </p:ext>
+    </p:extLst>
+  </p:cSld>
+  <p:clrMapOvr>
+    <a:masterClrMapping/>
+  </p:clrMapOvr>
+</p:notes>
+</file>
+
+<file path=ppt/notesSlides/notesSlide7.xml><?xml version="1.0" encoding="utf-8"?>
+<p:notes xmlns:a="http://schemas.openxmlformats.org/drawingml/2006/main" xmlns:r="http://schemas.openxmlformats.org/officeDocument/2006/relationships" xmlns:p="http://schemas.openxmlformats.org/presentationml/2006/main">
+  <p:cSld>
+    <p:spTree>
+      <p:nvGrpSpPr>
+        <p:cNvPr id="1" name=""/>
+        <p:cNvGrpSpPr/>
+        <p:nvPr/>
+      </p:nvGrpSpPr>
+      <p:grpSpPr>
+        <a:xfrm>
+          <a:off x="0" y="0"/>
+          <a:ext cx="0" cy="0"/>
+          <a:chOff x="0" y="0"/>
+          <a:chExt cx="0" cy="0"/>
+        </a:xfrm>
+      </p:grpSpPr>
+      <p:sp>
+        <p:nvSpPr>
+          <p:cNvPr id="2" name="スライド イメージ プレースホルダー 1"/>
+          <p:cNvSpPr>
+            <a:spLocks noGrp="1" noRot="1" noChangeAspect="1"/>
+          </p:cNvSpPr>
+          <p:nvPr>
+            <p:ph type="sldImg"/>
+          </p:nvPr>
+        </p:nvSpPr>
+        <p:spPr/>
+      </p:sp>
+      <p:sp>
+        <p:nvSpPr>
+          <p:cNvPr id="3" name="ノート プレースホルダー 2"/>
+          <p:cNvSpPr>
+            <a:spLocks noGrp="1"/>
+          </p:cNvSpPr>
+          <p:nvPr>
+            <p:ph type="body" idx="1"/>
+          </p:nvPr>
+        </p:nvSpPr>
+        <p:spPr/>
+        <p:txBody>
+          <a:bodyPr/>
+          <a:lstStyle/>
+          <a:p>
+            <a:r>
               <a:rPr kumimoji="1" lang="ja-JP" altLang="en-US" dirty="0"/>
               <a:t>最初に</a:t>
             </a:r>
@@ -1701,7 +1852,7 @@
 </p:notes>
 </file>
 
-<file path=ppt/notesSlides/notesSlide7.xml><?xml version="1.0" encoding="utf-8"?>
+<file path=ppt/notesSlides/notesSlide8.xml><?xml version="1.0" encoding="utf-8"?>
 <p:notes xmlns:a="http://schemas.openxmlformats.org/drawingml/2006/main" xmlns:r="http://schemas.openxmlformats.org/officeDocument/2006/relationships" xmlns:p="http://schemas.openxmlformats.org/presentationml/2006/main">
   <p:cSld>
     <p:spTree>
@@ -5561,6 +5712,157 @@
     <p:extLst>
       <p:ext uri="{BB962C8B-B14F-4D97-AF65-F5344CB8AC3E}">
         <p14:creationId xmlns:p14="http://schemas.microsoft.com/office/powerpoint/2010/main" val="2512044226"/>
+      </p:ext>
+    </p:extLst>
+  </p:cSld>
+  <p:clrMapOvr>
+    <a:masterClrMapping/>
+  </p:clrMapOvr>
+</p:sld>
+</file>
+
+<file path=ppt/slides/slide10.xml><?xml version="1.0" encoding="utf-8"?>
+<p:sld xmlns:a="http://schemas.openxmlformats.org/drawingml/2006/main" xmlns:r="http://schemas.openxmlformats.org/officeDocument/2006/relationships" xmlns:p="http://schemas.openxmlformats.org/presentationml/2006/main">
+  <p:cSld>
+    <p:spTree>
+      <p:nvGrpSpPr>
+        <p:cNvPr id="1" name=""/>
+        <p:cNvGrpSpPr/>
+        <p:nvPr/>
+      </p:nvGrpSpPr>
+      <p:grpSpPr>
+        <a:xfrm>
+          <a:off x="0" y="0"/>
+          <a:ext cx="0" cy="0"/>
+          <a:chOff x="0" y="0"/>
+          <a:chExt cx="0" cy="0"/>
+        </a:xfrm>
+      </p:grpSpPr>
+      <p:sp>
+        <p:nvSpPr>
+          <p:cNvPr id="2" name="タイトル 1">
+            <a:extLst>
+              <a:ext uri="{FF2B5EF4-FFF2-40B4-BE49-F238E27FC236}">
+                <a16:creationId xmlns:a16="http://schemas.microsoft.com/office/drawing/2014/main" id="{8E995DA6-1478-E44A-350D-63659532D982}"/>
+              </a:ext>
+            </a:extLst>
+          </p:cNvPr>
+          <p:cNvSpPr>
+            <a:spLocks noGrp="1"/>
+          </p:cNvSpPr>
+          <p:nvPr>
+            <p:ph type="title"/>
+          </p:nvPr>
+        </p:nvSpPr>
+        <p:spPr/>
+        <p:txBody>
+          <a:bodyPr/>
+          <a:lstStyle/>
+          <a:p>
+            <a:endParaRPr kumimoji="1" lang="ja-JP" altLang="en-US"/>
+          </a:p>
+        </p:txBody>
+      </p:sp>
+      <p:sp>
+        <p:nvSpPr>
+          <p:cNvPr id="3" name="コンテンツ プレースホルダー 2">
+            <a:extLst>
+              <a:ext uri="{FF2B5EF4-FFF2-40B4-BE49-F238E27FC236}">
+                <a16:creationId xmlns:a16="http://schemas.microsoft.com/office/drawing/2014/main" id="{D0DD0AA1-D4EF-DF34-6230-F362149DC5EB}"/>
+              </a:ext>
+            </a:extLst>
+          </p:cNvPr>
+          <p:cNvSpPr>
+            <a:spLocks noGrp="1"/>
+          </p:cNvSpPr>
+          <p:nvPr>
+            <p:ph idx="1"/>
+          </p:nvPr>
+        </p:nvSpPr>
+        <p:spPr/>
+        <p:txBody>
+          <a:bodyPr>
+            <a:normAutofit/>
+          </a:bodyPr>
+          <a:lstStyle/>
+          <a:p>
+            <a:r>
+              <a:rPr lang="en-US" altLang="ja-JP" sz="2000" b="0" i="0" dirty="0">
+                <a:solidFill>
+                  <a:srgbClr val="333333"/>
+                </a:solidFill>
+                <a:effectLst/>
+                <a:latin typeface="-apple-system"/>
+              </a:rPr>
+              <a:t>Auto MDI/MDI-X</a:t>
+            </a:r>
+            <a:br>
+              <a:rPr lang="en-US" altLang="ja-JP" sz="2000" b="0" i="0" dirty="0">
+                <a:solidFill>
+                  <a:srgbClr val="333333"/>
+                </a:solidFill>
+                <a:effectLst/>
+                <a:latin typeface="-apple-system"/>
+              </a:rPr>
+            </a:br>
+            <a:r>
+              <a:rPr lang="ja-JP" altLang="en-US" sz="2000" dirty="0"/>
+              <a:t>ネットワークアダプタやネットワーク機器（</a:t>
+            </a:r>
+            <a:r>
+              <a:rPr lang="en-US" altLang="ja-JP" sz="2000" dirty="0"/>
+              <a:t>PC</a:t>
+            </a:r>
+            <a:r>
+              <a:rPr lang="ja-JP" altLang="en-US" sz="2000" dirty="0"/>
+              <a:t>、ルーター、スイッチ）のイーサネットポート</a:t>
+            </a:r>
+            <a:br>
+              <a:rPr lang="en-US" altLang="ja-JP" sz="2000" dirty="0"/>
+            </a:br>
+            <a:r>
+              <a:rPr lang="ja-JP" altLang="en-US" sz="2000" dirty="0"/>
+              <a:t>ネットワークデバイスが</a:t>
+            </a:r>
+            <a:r>
+              <a:rPr lang="ja-JP" altLang="en-US" sz="2000" b="1" dirty="0"/>
+              <a:t>接続された相手デバイスのポートの種類（</a:t>
+            </a:r>
+            <a:r>
+              <a:rPr lang="en-US" altLang="ja-JP" sz="2000" b="1" dirty="0"/>
+              <a:t>MDI</a:t>
+            </a:r>
+            <a:r>
+              <a:rPr lang="ja-JP" altLang="en-US" sz="2000" b="1" dirty="0"/>
+              <a:t>か</a:t>
+            </a:r>
+            <a:r>
+              <a:rPr lang="en-US" altLang="ja-JP" sz="2000" b="1" dirty="0"/>
+              <a:t>MDI-X</a:t>
+            </a:r>
+            <a:r>
+              <a:rPr lang="ja-JP" altLang="en-US" sz="2000" b="1" dirty="0"/>
+              <a:t>か）を自動検出</a:t>
+            </a:r>
+            <a:r>
+              <a:rPr lang="ja-JP" altLang="en-US" sz="2000" dirty="0"/>
+              <a:t>し、</a:t>
+            </a:r>
+            <a:r>
+              <a:rPr lang="ja-JP" altLang="en-US" sz="2000" b="1" dirty="0"/>
+              <a:t>必要に応じてポートの信号線を自動的に切り替える機能</a:t>
+            </a:r>
+            <a:endParaRPr kumimoji="1" lang="ja-JP" altLang="en-US" sz="2000" dirty="0"/>
+          </a:p>
+          <a:p>
+            <a:endParaRPr kumimoji="1" lang="ja-JP" altLang="en-US" sz="2000" dirty="0"/>
+          </a:p>
+        </p:txBody>
+      </p:sp>
+    </p:spTree>
+    <p:extLst>
+      <p:ext uri="{BB962C8B-B14F-4D97-AF65-F5344CB8AC3E}">
+        <p14:creationId xmlns:p14="http://schemas.microsoft.com/office/powerpoint/2010/main" val="2283462849"/>
       </p:ext>
     </p:extLst>
   </p:cSld>
